--- a/5_Donem_Ders_Notlari/VTYS/Slayt/9.hafta.pptx
+++ b/5_Donem_Ders_Notlari/VTYS/Slayt/9.hafta.pptx
@@ -445,7 +445,7 @@
           <a:p>
             <a:fld id="{A7704912-B115-433C-8876-C7DEF4A8EAB4}" type="datetimeFigureOut">
               <a:rPr lang="tr-TR" smtClean="0"/>
-              <a:t>28.11.2024</a:t>
+              <a:t>29.11.2024</a:t>
             </a:fld>
             <a:endParaRPr lang="tr-TR"/>
           </a:p>
@@ -859,7 +859,7 @@
           <a:p>
             <a:fld id="{A7704912-B115-433C-8876-C7DEF4A8EAB4}" type="datetimeFigureOut">
               <a:rPr lang="tr-TR" smtClean="0"/>
-              <a:t>28.11.2024</a:t>
+              <a:t>29.11.2024</a:t>
             </a:fld>
             <a:endParaRPr lang="tr-TR"/>
           </a:p>
@@ -1195,7 +1195,7 @@
           <a:p>
             <a:fld id="{A7704912-B115-433C-8876-C7DEF4A8EAB4}" type="datetimeFigureOut">
               <a:rPr lang="tr-TR" smtClean="0"/>
-              <a:t>28.11.2024</a:t>
+              <a:t>29.11.2024</a:t>
             </a:fld>
             <a:endParaRPr lang="tr-TR"/>
           </a:p>
@@ -1600,7 +1600,7 @@
           <a:p>
             <a:fld id="{A7704912-B115-433C-8876-C7DEF4A8EAB4}" type="datetimeFigureOut">
               <a:rPr lang="tr-TR" smtClean="0"/>
-              <a:t>28.11.2024</a:t>
+              <a:t>29.11.2024</a:t>
             </a:fld>
             <a:endParaRPr lang="tr-TR"/>
           </a:p>
@@ -2168,7 +2168,7 @@
           <a:p>
             <a:fld id="{A7704912-B115-433C-8876-C7DEF4A8EAB4}" type="datetimeFigureOut">
               <a:rPr lang="tr-TR" smtClean="0"/>
-              <a:t>28.11.2024</a:t>
+              <a:t>29.11.2024</a:t>
             </a:fld>
             <a:endParaRPr lang="tr-TR"/>
           </a:p>
@@ -2849,7 +2849,7 @@
           <a:p>
             <a:fld id="{A7704912-B115-433C-8876-C7DEF4A8EAB4}" type="datetimeFigureOut">
               <a:rPr lang="tr-TR" smtClean="0"/>
-              <a:t>28.11.2024</a:t>
+              <a:t>29.11.2024</a:t>
             </a:fld>
             <a:endParaRPr lang="tr-TR"/>
           </a:p>
@@ -3762,7 +3762,7 @@
           <a:p>
             <a:fld id="{A7704912-B115-433C-8876-C7DEF4A8EAB4}" type="datetimeFigureOut">
               <a:rPr lang="tr-TR" smtClean="0"/>
-              <a:t>28.11.2024</a:t>
+              <a:t>29.11.2024</a:t>
             </a:fld>
             <a:endParaRPr lang="tr-TR"/>
           </a:p>
@@ -4075,7 +4075,7 @@
           <a:p>
             <a:fld id="{A7704912-B115-433C-8876-C7DEF4A8EAB4}" type="datetimeFigureOut">
               <a:rPr lang="tr-TR" smtClean="0"/>
-              <a:t>28.11.2024</a:t>
+              <a:t>29.11.2024</a:t>
             </a:fld>
             <a:endParaRPr lang="tr-TR"/>
           </a:p>
@@ -4339,7 +4339,7 @@
           <a:p>
             <a:fld id="{A7704912-B115-433C-8876-C7DEF4A8EAB4}" type="datetimeFigureOut">
               <a:rPr lang="tr-TR" smtClean="0"/>
-              <a:t>28.11.2024</a:t>
+              <a:t>29.11.2024</a:t>
             </a:fld>
             <a:endParaRPr lang="tr-TR"/>
           </a:p>
@@ -4662,7 +4662,7 @@
           <a:p>
             <a:fld id="{A7704912-B115-433C-8876-C7DEF4A8EAB4}" type="datetimeFigureOut">
               <a:rPr lang="tr-TR" smtClean="0"/>
-              <a:t>28.11.2024</a:t>
+              <a:t>29.11.2024</a:t>
             </a:fld>
             <a:endParaRPr lang="tr-TR"/>
           </a:p>
@@ -5051,7 +5051,7 @@
           <a:p>
             <a:fld id="{A7704912-B115-433C-8876-C7DEF4A8EAB4}" type="datetimeFigureOut">
               <a:rPr lang="tr-TR" smtClean="0"/>
-              <a:t>28.11.2024</a:t>
+              <a:t>29.11.2024</a:t>
             </a:fld>
             <a:endParaRPr lang="tr-TR"/>
           </a:p>
@@ -5427,7 +5427,7 @@
           <a:p>
             <a:fld id="{A7704912-B115-433C-8876-C7DEF4A8EAB4}" type="datetimeFigureOut">
               <a:rPr lang="tr-TR" smtClean="0"/>
-              <a:t>28.11.2024</a:t>
+              <a:t>29.11.2024</a:t>
             </a:fld>
             <a:endParaRPr lang="tr-TR"/>
           </a:p>
@@ -5933,7 +5933,7 @@
           <a:p>
             <a:fld id="{A7704912-B115-433C-8876-C7DEF4A8EAB4}" type="datetimeFigureOut">
               <a:rPr lang="tr-TR" smtClean="0"/>
-              <a:t>28.11.2024</a:t>
+              <a:t>29.11.2024</a:t>
             </a:fld>
             <a:endParaRPr lang="tr-TR"/>
           </a:p>
@@ -6190,7 +6190,7 @@
           <a:p>
             <a:fld id="{A7704912-B115-433C-8876-C7DEF4A8EAB4}" type="datetimeFigureOut">
               <a:rPr lang="tr-TR" smtClean="0"/>
-              <a:t>28.11.2024</a:t>
+              <a:t>29.11.2024</a:t>
             </a:fld>
             <a:endParaRPr lang="tr-TR"/>
           </a:p>
@@ -6353,7 +6353,7 @@
           <a:p>
             <a:fld id="{A7704912-B115-433C-8876-C7DEF4A8EAB4}" type="datetimeFigureOut">
               <a:rPr lang="tr-TR" smtClean="0"/>
-              <a:t>28.11.2024</a:t>
+              <a:t>29.11.2024</a:t>
             </a:fld>
             <a:endParaRPr lang="tr-TR"/>
           </a:p>
@@ -6743,7 +6743,7 @@
           <a:p>
             <a:fld id="{A7704912-B115-433C-8876-C7DEF4A8EAB4}" type="datetimeFigureOut">
               <a:rPr lang="tr-TR" smtClean="0"/>
-              <a:t>28.11.2024</a:t>
+              <a:t>29.11.2024</a:t>
             </a:fld>
             <a:endParaRPr lang="tr-TR"/>
           </a:p>
@@ -7152,7 +7152,7 @@
           <a:p>
             <a:fld id="{A7704912-B115-433C-8876-C7DEF4A8EAB4}" type="datetimeFigureOut">
               <a:rPr lang="tr-TR" smtClean="0"/>
-              <a:t>28.11.2024</a:t>
+              <a:t>29.11.2024</a:t>
             </a:fld>
             <a:endParaRPr lang="tr-TR"/>
           </a:p>
@@ -7396,7 +7396,7 @@
           <a:p>
             <a:fld id="{A7704912-B115-433C-8876-C7DEF4A8EAB4}" type="datetimeFigureOut">
               <a:rPr lang="tr-TR" smtClean="0"/>
-              <a:t>28.11.2024</a:t>
+              <a:t>29.11.2024</a:t>
             </a:fld>
             <a:endParaRPr lang="tr-TR"/>
           </a:p>
@@ -7828,14 +7828,13 @@
           <a:lstStyle/>
           <a:p>
             <a:r>
-              <a:rPr lang="tr-TR" sz="4800" dirty="0" err="1" smtClean="0"/>
+              <a:rPr lang="tr-TR" sz="4800" dirty="0" err="1"/>
               <a:t>Veritabanı</a:t>
             </a:r>
             <a:r>
-              <a:rPr lang="tr-TR" sz="4800" dirty="0" smtClean="0"/>
+              <a:rPr lang="tr-TR" sz="4800" dirty="0"/>
               <a:t> Yönetim Sistemleri</a:t>
             </a:r>
-            <a:endParaRPr lang="tr-TR" sz="4800" dirty="0"/>
           </a:p>
         </p:txBody>
       </p:sp>
@@ -7856,11 +7855,7 @@
           <a:p>
             <a:r>
               <a:rPr lang="tr-TR"/>
-              <a:t> </a:t>
-            </a:r>
-            <a:r>
-              <a:rPr lang="tr-TR" smtClean="0"/>
-              <a:t>9.Hafta</a:t>
+              <a:t> 9.Hafta</a:t>
             </a:r>
             <a:endParaRPr lang="tr-TR" dirty="0"/>
           </a:p>
@@ -7876,13 +7871,6 @@
   <p:clrMapOvr>
     <a:masterClrMapping/>
   </p:clrMapOvr>
-  <p:timing>
-    <p:tnLst>
-      <p:par>
-        <p:cTn id="1" dur="indefinite" restart="never" nodeType="tmRoot"/>
-      </p:par>
-    </p:tnLst>
-  </p:timing>
 </p:sld>
 </file>
 
@@ -7920,13 +7908,8 @@
           <a:p>
             <a:r>
               <a:rPr lang="tr-TR" dirty="0"/>
-              <a:t>SQL Tablodaki Sütunun Adını </a:t>
-            </a:r>
-            <a:r>
-              <a:rPr lang="tr-TR" dirty="0" smtClean="0"/>
-              <a:t>Değiştirme</a:t>
-            </a:r>
-            <a:endParaRPr lang="tr-TR" dirty="0"/>
+              <a:t>SQL Tablodaki Sütunun Adını Değiştirme</a:t>
+            </a:r>
           </a:p>
         </p:txBody>
       </p:sp>
@@ -7948,7 +7931,7 @@
           <a:lstStyle/>
           <a:p>
             <a:r>
-              <a:rPr lang="tr-TR" dirty="0" smtClean="0"/>
+              <a:rPr lang="tr-TR" dirty="0"/>
               <a:t>Tablo adını değiştirme;</a:t>
             </a:r>
           </a:p>
@@ -7959,11 +7942,7 @@
             </a:r>
             <a:r>
               <a:rPr lang="tr-TR" dirty="0"/>
-              <a:t> 'yazar' , </a:t>
-            </a:r>
-            <a:r>
-              <a:rPr lang="tr-TR" dirty="0" smtClean="0"/>
-              <a:t>'yazarlar‘</a:t>
+              <a:t> 'yazar' , 'yazarlar‘</a:t>
             </a:r>
           </a:p>
           <a:p>
@@ -7971,7 +7950,7 @@
           </a:p>
           <a:p>
             <a:r>
-              <a:rPr lang="tr-TR" dirty="0" smtClean="0"/>
+              <a:rPr lang="tr-TR" dirty="0"/>
               <a:t>Sütun adını değiştirme;</a:t>
             </a:r>
           </a:p>
@@ -7990,40 +7969,36 @@
             </a:r>
             <a:r>
               <a:rPr lang="tr-TR" dirty="0"/>
-              <a:t>', </a:t>
-            </a:r>
-            <a:r>
-              <a:rPr lang="tr-TR" dirty="0" smtClean="0"/>
-              <a:t>‘</a:t>
-            </a:r>
-            <a:r>
-              <a:rPr lang="tr-TR" dirty="0" err="1" smtClean="0"/>
+              <a:t>', ‘</a:t>
+            </a:r>
+            <a:r>
+              <a:rPr lang="tr-TR" dirty="0" err="1"/>
               <a:t>yazar.yazaradsoyad</a:t>
             </a:r>
             <a:r>
-              <a:rPr lang="tr-TR" dirty="0" smtClean="0"/>
+              <a:rPr lang="tr-TR" dirty="0"/>
               <a:t>'   </a:t>
             </a:r>
             <a:r>
-              <a:rPr lang="tr-TR" sz="2200" dirty="0" smtClean="0"/>
+              <a:rPr lang="tr-TR" sz="2200" dirty="0"/>
               <a:t>(Tırnak yazmadan da çalışabilir)</a:t>
             </a:r>
-            <a:endParaRPr lang="tr-TR" dirty="0" smtClean="0"/>
-          </a:p>
-          <a:p>
-            <a:endParaRPr lang="tr-TR" dirty="0" smtClean="0"/>
-          </a:p>
-          <a:p>
-            <a:r>
-              <a:rPr lang="tr-TR" dirty="0" smtClean="0"/>
+            <a:endParaRPr lang="tr-TR" dirty="0"/>
+          </a:p>
+          <a:p>
+            <a:endParaRPr lang="tr-TR" dirty="0"/>
+          </a:p>
+          <a:p>
+            <a:r>
+              <a:rPr lang="tr-TR" dirty="0"/>
               <a:t>Çalıştırmak için </a:t>
             </a:r>
             <a:r>
-              <a:rPr lang="tr-TR" dirty="0" err="1" smtClean="0"/>
+              <a:rPr lang="tr-TR" dirty="0" err="1"/>
               <a:t>exec</a:t>
             </a:r>
             <a:r>
-              <a:rPr lang="tr-TR" dirty="0" smtClean="0"/>
+              <a:rPr lang="tr-TR" dirty="0"/>
               <a:t> komutu gerekebilir;</a:t>
             </a:r>
           </a:p>
@@ -8032,11 +8007,11 @@
           </a:p>
           <a:p>
             <a:r>
-              <a:rPr lang="tr-TR" dirty="0" err="1" smtClean="0"/>
+              <a:rPr lang="tr-TR" dirty="0" err="1"/>
               <a:t>Exec</a:t>
             </a:r>
             <a:r>
-              <a:rPr lang="tr-TR" dirty="0" smtClean="0"/>
+              <a:rPr lang="tr-TR" dirty="0"/>
               <a:t> </a:t>
             </a:r>
             <a:r>
@@ -8045,13 +8020,8 @@
             </a:r>
             <a:r>
               <a:rPr lang="tr-TR" dirty="0"/>
-              <a:t> 'yazar' , </a:t>
-            </a:r>
-            <a:r>
-              <a:rPr lang="tr-TR" dirty="0" smtClean="0"/>
-              <a:t>'yazarlar’</a:t>
-            </a:r>
-            <a:endParaRPr lang="tr-TR" dirty="0"/>
+              <a:t> 'yazar' , 'yazarlar’</a:t>
+            </a:r>
           </a:p>
           <a:p>
             <a:endParaRPr lang="tr-TR" dirty="0"/>
@@ -8068,13 +8038,6 @@
   <p:clrMapOvr>
     <a:masterClrMapping/>
   </p:clrMapOvr>
-  <p:timing>
-    <p:tnLst>
-      <p:par>
-        <p:cTn id="1" dur="indefinite" restart="never" nodeType="tmRoot"/>
-      </p:par>
-    </p:tnLst>
-  </p:timing>
 </p:sld>
 </file>
 
@@ -8111,10 +8074,9 @@
           <a:lstStyle/>
           <a:p>
             <a:r>
-              <a:rPr lang="tr-TR" dirty="0" smtClean="0"/>
+              <a:rPr lang="tr-TR" dirty="0"/>
               <a:t>DROP</a:t>
             </a:r>
-            <a:endParaRPr lang="tr-TR" dirty="0"/>
           </a:p>
         </p:txBody>
       </p:sp>
@@ -8134,7 +8096,7 @@
           <a:lstStyle/>
           <a:p>
             <a:r>
-              <a:rPr lang="tr-TR" dirty="0" err="1" smtClean="0"/>
+              <a:rPr lang="tr-TR" dirty="0" err="1"/>
               <a:t>Drop</a:t>
             </a:r>
             <a:r>
@@ -8160,12 +8122,8 @@
           </a:p>
           <a:p>
             <a:r>
-              <a:rPr lang="tr-TR" dirty="0" smtClean="0"/>
-              <a:t>DROP </a:t>
-            </a:r>
-            <a:r>
-              <a:rPr lang="tr-TR" dirty="0"/>
-              <a:t>DATABASE </a:t>
+              <a:rPr lang="tr-TR" dirty="0"/>
+              <a:t>DROP DATABASE </a:t>
             </a:r>
             <a:r>
               <a:rPr lang="tr-TR" dirty="0" err="1"/>
@@ -8178,12 +8136,8 @@
           </a:p>
           <a:p>
             <a:r>
-              <a:rPr lang="tr-TR" dirty="0" smtClean="0"/>
-              <a:t>DROP </a:t>
-            </a:r>
-            <a:r>
-              <a:rPr lang="tr-TR" dirty="0"/>
-              <a:t>TABLE </a:t>
+              <a:rPr lang="tr-TR" dirty="0"/>
+              <a:t>DROP TABLE </a:t>
             </a:r>
             <a:r>
               <a:rPr lang="tr-TR" dirty="0" err="1"/>
@@ -8196,22 +8150,14 @@
           </a:p>
           <a:p>
             <a:r>
-              <a:rPr lang="tr-TR" dirty="0" smtClean="0"/>
-              <a:t>DROP </a:t>
-            </a:r>
-            <a:r>
-              <a:rPr lang="tr-TR" dirty="0"/>
-              <a:t>FUNCTION … </a:t>
-            </a:r>
-          </a:p>
-          <a:p>
-            <a:r>
-              <a:rPr lang="tr-TR" dirty="0" smtClean="0"/>
-              <a:t>DROP </a:t>
-            </a:r>
-            <a:r>
-              <a:rPr lang="tr-TR" dirty="0"/>
-              <a:t>PROCEDURE … </a:t>
+              <a:rPr lang="tr-TR" dirty="0"/>
+              <a:t>DROP FUNCTION … </a:t>
+            </a:r>
+          </a:p>
+          <a:p>
+            <a:r>
+              <a:rPr lang="tr-TR" dirty="0"/>
+              <a:t>DROP PROCEDURE … </a:t>
             </a:r>
           </a:p>
           <a:p>
@@ -8229,13 +8175,6 @@
   <p:clrMapOvr>
     <a:masterClrMapping/>
   </p:clrMapOvr>
-  <p:timing>
-    <p:tnLst>
-      <p:par>
-        <p:cTn id="1" dur="indefinite" restart="never" nodeType="tmRoot"/>
-      </p:par>
-    </p:tnLst>
-  </p:timing>
 </p:sld>
 </file>
 
@@ -8294,12 +8233,8 @@
           <a:lstStyle/>
           <a:p>
             <a:r>
-              <a:rPr lang="tr-TR" dirty="0" smtClean="0"/>
-              <a:t>DROP </a:t>
-            </a:r>
-            <a:r>
-              <a:rPr lang="tr-TR" dirty="0"/>
-              <a:t>TABLE </a:t>
+              <a:rPr lang="tr-TR" dirty="0"/>
+              <a:t>DROP TABLE </a:t>
             </a:r>
             <a:r>
               <a:rPr lang="tr-TR" dirty="0" err="1"/>
@@ -8367,13 +8302,6 @@
   <p:clrMapOvr>
     <a:masterClrMapping/>
   </p:clrMapOvr>
-  <p:timing>
-    <p:tnLst>
-      <p:par>
-        <p:cTn id="1" dur="indefinite" restart="never" nodeType="tmRoot"/>
-      </p:par>
-    </p:tnLst>
-  </p:timing>
 </p:sld>
 </file>
 
@@ -8564,7 +8492,7 @@
             </a:r>
           </a:p>
           <a:p>
-            <a:endParaRPr lang="tr-TR" dirty="0" smtClean="0"/>
+            <a:endParaRPr lang="tr-TR" dirty="0"/>
           </a:p>
           <a:p>
             <a:endParaRPr lang="tr-TR" dirty="0"/>
@@ -8683,13 +8611,6 @@
   <p:clrMapOvr>
     <a:masterClrMapping/>
   </p:clrMapOvr>
-  <p:timing>
-    <p:tnLst>
-      <p:par>
-        <p:cTn id="1" dur="indefinite" restart="never" nodeType="tmRoot"/>
-      </p:par>
-    </p:tnLst>
-  </p:timing>
 </p:sld>
 </file>
 
@@ -8750,12 +8671,8 @@
           <a:lstStyle/>
           <a:p>
             <a:r>
-              <a:rPr lang="tr-TR" dirty="0" smtClean="0"/>
-              <a:t>Sorgulamada </a:t>
-            </a:r>
-            <a:r>
-              <a:rPr lang="tr-TR" dirty="0"/>
-              <a:t>belirli koşullara bağlı kayıtlar isteniyorsa </a:t>
+              <a:rPr lang="tr-TR" dirty="0"/>
+              <a:t>Sorgulamada belirli koşullara bağlı kayıtlar isteniyorsa </a:t>
             </a:r>
             <a:r>
               <a:rPr lang="tr-TR" dirty="0" err="1"/>
@@ -8833,13 +8750,6 @@
   <p:clrMapOvr>
     <a:masterClrMapping/>
   </p:clrMapOvr>
-  <p:timing>
-    <p:tnLst>
-      <p:par>
-        <p:cTn id="1" dur="indefinite" restart="never" nodeType="tmRoot"/>
-      </p:par>
-    </p:tnLst>
-  </p:timing>
 </p:sld>
 </file>
 
@@ -8935,13 +8845,6 @@
   <p:clrMapOvr>
     <a:masterClrMapping/>
   </p:clrMapOvr>
-  <p:timing>
-    <p:tnLst>
-      <p:par>
-        <p:cTn id="1" dur="indefinite" restart="never" nodeType="tmRoot"/>
-      </p:par>
-    </p:tnLst>
-  </p:timing>
 </p:sld>
 </file>
 
@@ -9059,7 +8962,7 @@
           <a:lstStyle/>
           <a:p>
             <a:r>
-              <a:rPr lang="tr-TR" dirty="0" smtClean="0">
+              <a:rPr lang="tr-TR" dirty="0">
                 <a:solidFill>
                   <a:srgbClr val="FF0000"/>
                 </a:solidFill>
@@ -9084,13 +8987,6 @@
   <p:clrMapOvr>
     <a:masterClrMapping/>
   </p:clrMapOvr>
-  <p:timing>
-    <p:tnLst>
-      <p:par>
-        <p:cTn id="1" dur="indefinite" restart="never" nodeType="tmRoot"/>
-      </p:par>
-    </p:tnLst>
-  </p:timing>
 </p:sld>
 </file>
 
@@ -9193,13 +9089,6 @@
   <p:clrMapOvr>
     <a:masterClrMapping/>
   </p:clrMapOvr>
-  <p:timing>
-    <p:tnLst>
-      <p:par>
-        <p:cTn id="1" dur="indefinite" restart="never" nodeType="tmRoot"/>
-      </p:par>
-    </p:tnLst>
-  </p:timing>
 </p:sld>
 </file>
 
@@ -9271,23 +9160,7 @@
           <a:p>
             <a:r>
               <a:rPr lang="tr-TR" dirty="0"/>
-              <a:t> SQL dilinde bir tablodan kayıtları çekerken ismi A </a:t>
-            </a:r>
-            <a:r>
-              <a:rPr lang="tr-TR" dirty="0" smtClean="0"/>
-              <a:t>ile başlayan </a:t>
-            </a:r>
-            <a:r>
-              <a:rPr lang="tr-TR" dirty="0"/>
-              <a:t>soyadı B ile biten tarzında </a:t>
-            </a:r>
-            <a:r>
-              <a:rPr lang="tr-TR" dirty="0" smtClean="0"/>
-              <a:t>sorgulamalar yapmak </a:t>
-            </a:r>
-            <a:r>
-              <a:rPr lang="tr-TR" dirty="0"/>
-              <a:t>için LIKE komutu kullanılır.</a:t>
+              <a:t> SQL dilinde bir tablodan kayıtları çekerken ismi A ile başlayan soyadı B ile biten tarzında sorgulamalar yapmak için LIKE komutu kullanılır.</a:t>
             </a:r>
           </a:p>
           <a:p>
@@ -9301,19 +9174,11 @@
             </a:r>
             <a:r>
               <a:rPr lang="en-US" dirty="0"/>
-              <a:t> WHERE alanadi1 </a:t>
-            </a:r>
-            <a:r>
-              <a:rPr lang="en-US" dirty="0" smtClean="0"/>
-              <a:t>LIKE</a:t>
-            </a:r>
-            <a:r>
-              <a:rPr lang="tr-TR" dirty="0" smtClean="0"/>
-              <a:t> ‘</a:t>
-            </a:r>
-            <a:r>
-              <a:rPr lang="tr-TR" dirty="0"/>
-              <a:t>deger1%’;</a:t>
+              <a:t> WHERE alanadi1 LIKE</a:t>
+            </a:r>
+            <a:r>
+              <a:rPr lang="tr-TR" dirty="0"/>
+              <a:t> ‘deger1%’;</a:t>
             </a:r>
           </a:p>
           <a:p>
@@ -9327,19 +9192,11 @@
             </a:r>
             <a:r>
               <a:rPr lang="en-US" dirty="0"/>
-              <a:t> WHERE alanadi1 </a:t>
-            </a:r>
-            <a:r>
-              <a:rPr lang="en-US" dirty="0" smtClean="0"/>
-              <a:t>LIKE</a:t>
-            </a:r>
-            <a:r>
-              <a:rPr lang="tr-TR" dirty="0" smtClean="0"/>
-              <a:t> ‘%</a:t>
-            </a:r>
-            <a:r>
-              <a:rPr lang="tr-TR" dirty="0"/>
-              <a:t>deger1’;</a:t>
+              <a:t> WHERE alanadi1 LIKE</a:t>
+            </a:r>
+            <a:r>
+              <a:rPr lang="tr-TR" dirty="0"/>
+              <a:t> ‘%deger1’;</a:t>
             </a:r>
           </a:p>
         </p:txBody>
@@ -9378,13 +9235,6 @@
   <p:clrMapOvr>
     <a:masterClrMapping/>
   </p:clrMapOvr>
-  <p:timing>
-    <p:tnLst>
-      <p:par>
-        <p:cTn id="1" dur="indefinite" restart="never" nodeType="tmRoot"/>
-      </p:par>
-    </p:tnLst>
-  </p:timing>
 </p:sld>
 </file>
 
@@ -9421,10 +9271,9 @@
           <a:lstStyle/>
           <a:p>
             <a:r>
-              <a:rPr lang="tr-TR" dirty="0" smtClean="0"/>
+              <a:rPr lang="tr-TR" dirty="0"/>
               <a:t>Hazır Fonksiyonlar</a:t>
             </a:r>
-            <a:endParaRPr lang="tr-TR" dirty="0"/>
           </a:p>
         </p:txBody>
       </p:sp>
@@ -9452,22 +9301,22 @@
           <a:p>
             <a:pPr algn="just"/>
             <a:r>
-              <a:rPr lang="tr-TR" dirty="0" err="1" smtClean="0"/>
+              <a:rPr lang="tr-TR" dirty="0" err="1"/>
               <a:t>Concat</a:t>
             </a:r>
             <a:r>
-              <a:rPr lang="tr-TR" dirty="0" smtClean="0"/>
+              <a:rPr lang="tr-TR" dirty="0"/>
               <a:t>();Değerleri birleştirmek için kullanılır. </a:t>
             </a:r>
           </a:p>
           <a:p>
             <a:pPr algn="just"/>
             <a:r>
-              <a:rPr lang="tr-TR" dirty="0" err="1" smtClean="0"/>
+              <a:rPr lang="tr-TR" dirty="0" err="1"/>
               <a:t>Concat</a:t>
             </a:r>
             <a:r>
-              <a:rPr lang="tr-TR" dirty="0" smtClean="0"/>
+              <a:rPr lang="tr-TR" dirty="0"/>
               <a:t>(‘deg1’,’deg2’, sütun1,sütun2) ..</a:t>
             </a:r>
           </a:p>
@@ -9476,45 +9325,41 @@
               <a:buNone/>
             </a:pPr>
             <a:r>
-              <a:rPr lang="tr-TR" dirty="0" smtClean="0"/>
+              <a:rPr lang="tr-TR" dirty="0"/>
               <a:t>	Select </a:t>
             </a:r>
             <a:r>
-              <a:rPr lang="tr-TR" dirty="0" err="1" smtClean="0"/>
+              <a:rPr lang="tr-TR" dirty="0" err="1"/>
               <a:t>concat</a:t>
             </a:r>
             <a:r>
-              <a:rPr lang="tr-TR" dirty="0" smtClean="0"/>
+              <a:rPr lang="tr-TR" dirty="0"/>
               <a:t>(</a:t>
             </a:r>
             <a:r>
-              <a:rPr lang="tr-TR" dirty="0" err="1" smtClean="0"/>
+              <a:rPr lang="tr-TR" dirty="0" err="1"/>
               <a:t>ad,soyad</a:t>
             </a:r>
             <a:r>
-              <a:rPr lang="tr-TR" dirty="0" smtClean="0"/>
+              <a:rPr lang="tr-TR" dirty="0"/>
               <a:t>) as </a:t>
             </a:r>
             <a:r>
-              <a:rPr lang="tr-TR" dirty="0" err="1" smtClean="0"/>
+              <a:rPr lang="tr-TR" dirty="0" err="1"/>
               <a:t>AdSoyad</a:t>
             </a:r>
             <a:r>
-              <a:rPr lang="tr-TR" dirty="0" smtClean="0"/>
+              <a:rPr lang="tr-TR" dirty="0"/>
               <a:t> </a:t>
             </a:r>
             <a:r>
-              <a:rPr lang="tr-TR" dirty="0" err="1" smtClean="0"/>
+              <a:rPr lang="tr-TR" dirty="0" err="1"/>
               <a:t>from</a:t>
             </a:r>
             <a:r>
-              <a:rPr lang="tr-TR" dirty="0" smtClean="0"/>
+              <a:rPr lang="tr-TR" dirty="0"/>
               <a:t> Tablo</a:t>
             </a:r>
-          </a:p>
-          <a:p>
-            <a:pPr algn="just"/>
-            <a:endParaRPr lang="tr-TR" dirty="0" smtClean="0"/>
           </a:p>
           <a:p>
             <a:pPr algn="just"/>
@@ -9522,31 +9367,35 @@
           </a:p>
           <a:p>
             <a:pPr algn="just"/>
-            <a:r>
-              <a:rPr lang="tr-TR" dirty="0" err="1" smtClean="0"/>
+            <a:endParaRPr lang="tr-TR" dirty="0"/>
+          </a:p>
+          <a:p>
+            <a:pPr algn="just"/>
+            <a:r>
+              <a:rPr lang="tr-TR" dirty="0" err="1"/>
               <a:t>Substring</a:t>
             </a:r>
             <a:r>
-              <a:rPr lang="tr-TR" dirty="0" smtClean="0"/>
+              <a:rPr lang="tr-TR" dirty="0"/>
               <a:t>();Veriden istenen kısmın alınmasını sağlar. </a:t>
             </a:r>
           </a:p>
           <a:p>
             <a:pPr algn="just"/>
             <a:r>
-              <a:rPr lang="tr-TR" dirty="0" err="1" smtClean="0"/>
+              <a:rPr lang="tr-TR" dirty="0" err="1"/>
               <a:t>Substring</a:t>
             </a:r>
             <a:r>
-              <a:rPr lang="tr-TR" dirty="0" smtClean="0"/>
+              <a:rPr lang="tr-TR" dirty="0"/>
               <a:t>(</a:t>
             </a:r>
             <a:r>
-              <a:rPr lang="tr-TR" dirty="0" err="1" smtClean="0"/>
+              <a:rPr lang="tr-TR" dirty="0" err="1"/>
               <a:t>veri,başlangıç,karakter</a:t>
             </a:r>
             <a:r>
-              <a:rPr lang="tr-TR" dirty="0" smtClean="0"/>
+              <a:rPr lang="tr-TR" dirty="0"/>
               <a:t>) ..</a:t>
             </a:r>
           </a:p>
@@ -9559,11 +9408,11 @@
               <a:t>	Select </a:t>
             </a:r>
             <a:r>
-              <a:rPr lang="tr-TR" dirty="0" err="1" smtClean="0"/>
+              <a:rPr lang="tr-TR" dirty="0" err="1"/>
               <a:t>Substring</a:t>
             </a:r>
             <a:r>
-              <a:rPr lang="tr-TR" dirty="0" smtClean="0"/>
+              <a:rPr lang="tr-TR" dirty="0"/>
               <a:t>(‘metin bilgin’,6,6)</a:t>
             </a:r>
           </a:p>
@@ -9675,7 +9524,7 @@
           <a:lstStyle/>
           <a:p>
             <a:r>
-              <a:rPr lang="tr-TR" dirty="0" err="1" smtClean="0"/>
+              <a:rPr lang="tr-TR" dirty="0" err="1"/>
               <a:t>Alter</a:t>
             </a:r>
             <a:endParaRPr lang="tr-TR" dirty="0"/>
@@ -9698,7 +9547,7 @@
           <a:lstStyle/>
           <a:p>
             <a:r>
-              <a:rPr lang="tr-TR" dirty="0" err="1" smtClean="0"/>
+              <a:rPr lang="tr-TR" dirty="0" err="1"/>
               <a:t>Alter</a:t>
             </a:r>
             <a:r>
@@ -9717,12 +9566,8 @@
           <a:p>
             <a:pPr lvl="1"/>
             <a:r>
-              <a:rPr lang="tr-TR" dirty="0" smtClean="0"/>
-              <a:t>ALTER </a:t>
-            </a:r>
-            <a:r>
-              <a:rPr lang="tr-TR" dirty="0"/>
-              <a:t>TABLE </a:t>
+              <a:rPr lang="tr-TR" dirty="0"/>
+              <a:t>ALTER TABLE </a:t>
             </a:r>
             <a:r>
               <a:rPr lang="tr-TR" dirty="0" err="1"/>
@@ -9736,34 +9581,22 @@
           <a:p>
             <a:pPr lvl="1"/>
             <a:r>
-              <a:rPr lang="tr-TR" dirty="0" smtClean="0"/>
-              <a:t>ALTER </a:t>
-            </a:r>
-            <a:r>
-              <a:rPr lang="tr-TR" dirty="0"/>
-              <a:t>FUNCTION … </a:t>
+              <a:rPr lang="tr-TR" dirty="0"/>
+              <a:t>ALTER FUNCTION … </a:t>
             </a:r>
           </a:p>
           <a:p>
             <a:pPr lvl="1"/>
             <a:r>
-              <a:rPr lang="tr-TR" dirty="0" smtClean="0"/>
-              <a:t>ALTER </a:t>
-            </a:r>
-            <a:r>
-              <a:rPr lang="tr-TR" dirty="0"/>
-              <a:t>PROCEDURE … </a:t>
+              <a:rPr lang="tr-TR" dirty="0"/>
+              <a:t>ALTER PROCEDURE … </a:t>
             </a:r>
           </a:p>
           <a:p>
             <a:pPr lvl="1"/>
             <a:r>
-              <a:rPr lang="tr-TR" dirty="0" smtClean="0"/>
-              <a:t>ALTER </a:t>
-            </a:r>
-            <a:r>
-              <a:rPr lang="tr-TR" dirty="0"/>
-              <a:t>TRIGER </a:t>
+              <a:rPr lang="tr-TR" dirty="0"/>
+              <a:t>ALTER TRIGER </a:t>
             </a:r>
           </a:p>
           <a:p>
@@ -9781,13 +9614,6 @@
   <p:clrMapOvr>
     <a:masterClrMapping/>
   </p:clrMapOvr>
-  <p:timing>
-    <p:tnLst>
-      <p:par>
-        <p:cTn id="1" dur="indefinite" restart="never" nodeType="tmRoot"/>
-      </p:par>
-    </p:tnLst>
-  </p:timing>
 </p:sld>
 </file>
 
@@ -9848,109 +9674,89 @@
           <a:lstStyle/>
           <a:p>
             <a:r>
-              <a:rPr lang="tr-TR" dirty="0" err="1" smtClean="0"/>
+              <a:rPr lang="tr-TR" dirty="0" err="1"/>
               <a:t>Left</a:t>
             </a:r>
             <a:r>
-              <a:rPr lang="tr-TR" dirty="0" smtClean="0"/>
+              <a:rPr lang="tr-TR" dirty="0"/>
               <a:t>():Verinin solundan itibaren istenen karakter sayısı kadarını alır.</a:t>
             </a:r>
           </a:p>
           <a:p>
             <a:r>
-              <a:rPr lang="tr-TR" dirty="0" err="1" smtClean="0"/>
+              <a:rPr lang="tr-TR" dirty="0" err="1"/>
               <a:t>Left</a:t>
             </a:r>
             <a:r>
-              <a:rPr lang="tr-TR" dirty="0" smtClean="0"/>
+              <a:rPr lang="tr-TR" dirty="0"/>
               <a:t>(</a:t>
             </a:r>
             <a:r>
-              <a:rPr lang="tr-TR" dirty="0" err="1" smtClean="0"/>
+              <a:rPr lang="tr-TR" dirty="0" err="1"/>
               <a:t>Veri,karakter</a:t>
             </a:r>
             <a:r>
-              <a:rPr lang="tr-TR" dirty="0" smtClean="0"/>
+              <a:rPr lang="tr-TR" dirty="0"/>
               <a:t> sayısı)</a:t>
             </a:r>
           </a:p>
           <a:p>
             <a:r>
-              <a:rPr lang="tr-TR" dirty="0" err="1" smtClean="0"/>
+              <a:rPr lang="tr-TR" dirty="0" err="1"/>
               <a:t>Left</a:t>
             </a:r>
             <a:r>
-              <a:rPr lang="tr-TR" dirty="0" smtClean="0"/>
+              <a:rPr lang="tr-TR" dirty="0"/>
               <a:t>(‘Metin’,1) as </a:t>
             </a:r>
             <a:r>
-              <a:rPr lang="tr-TR" dirty="0" err="1" smtClean="0"/>
+              <a:rPr lang="tr-TR" dirty="0" err="1"/>
               <a:t>BaşHarfi</a:t>
             </a:r>
             <a:r>
-              <a:rPr lang="tr-TR" dirty="0" smtClean="0"/>
+              <a:rPr lang="tr-TR" dirty="0"/>
               <a:t> </a:t>
             </a:r>
             <a:r>
-              <a:rPr lang="tr-TR" dirty="0" err="1" smtClean="0"/>
+              <a:rPr lang="tr-TR" dirty="0" err="1"/>
               <a:t>from</a:t>
             </a:r>
             <a:r>
-              <a:rPr lang="tr-TR" dirty="0" smtClean="0"/>
+              <a:rPr lang="tr-TR" dirty="0"/>
               <a:t> Tablo</a:t>
             </a:r>
           </a:p>
           <a:p>
             <a:r>
-              <a:rPr lang="tr-TR" dirty="0" smtClean="0"/>
-              <a:t>Right():</a:t>
-            </a:r>
-            <a:r>
-              <a:rPr lang="tr-TR" dirty="0"/>
-              <a:t>Verinin </a:t>
-            </a:r>
-            <a:r>
-              <a:rPr lang="tr-TR" dirty="0" smtClean="0"/>
-              <a:t>sağından </a:t>
-            </a:r>
-            <a:r>
-              <a:rPr lang="tr-TR" dirty="0"/>
-              <a:t>itibaren istenen karakter sayısı kadarını alır.</a:t>
-            </a:r>
-          </a:p>
-          <a:p>
-            <a:r>
-              <a:rPr lang="tr-TR" dirty="0" smtClean="0"/>
+              <a:rPr lang="tr-TR" dirty="0"/>
+              <a:t>Right():Verinin sağından itibaren istenen karakter sayısı kadarını alır.</a:t>
+            </a:r>
+          </a:p>
+          <a:p>
+            <a:r>
+              <a:rPr lang="tr-TR" dirty="0"/>
               <a:t>Right(</a:t>
             </a:r>
             <a:r>
-              <a:rPr lang="tr-TR" dirty="0" err="1" smtClean="0"/>
+              <a:rPr lang="tr-TR" dirty="0" err="1"/>
               <a:t>Veri,karakter</a:t>
             </a:r>
             <a:r>
-              <a:rPr lang="tr-TR" dirty="0" smtClean="0"/>
-              <a:t> </a:t>
-            </a:r>
-            <a:r>
-              <a:rPr lang="tr-TR" dirty="0"/>
-              <a:t>sayısı)</a:t>
-            </a:r>
-          </a:p>
-          <a:p>
-            <a:r>
-              <a:rPr lang="tr-TR" dirty="0" smtClean="0"/>
-              <a:t>Right(‘</a:t>
-            </a:r>
-            <a:r>
-              <a:rPr lang="tr-TR" dirty="0"/>
-              <a:t>Metin’,1) as </a:t>
-            </a:r>
-            <a:r>
-              <a:rPr lang="tr-TR" dirty="0" err="1" smtClean="0"/>
+              <a:rPr lang="tr-TR" dirty="0"/>
+              <a:t> sayısı)</a:t>
+            </a:r>
+          </a:p>
+          <a:p>
+            <a:r>
+              <a:rPr lang="tr-TR" dirty="0"/>
+              <a:t>Right(‘Metin’,1) as </a:t>
+            </a:r>
+            <a:r>
+              <a:rPr lang="tr-TR" dirty="0" err="1"/>
               <a:t>SonHarfi</a:t>
             </a:r>
             <a:r>
-              <a:rPr lang="tr-TR" dirty="0" smtClean="0"/>
+              <a:rPr lang="tr-TR" dirty="0"/>
               <a:t> </a:t>
             </a:r>
             <a:r>
@@ -10083,56 +9889,44 @@
           <a:lstStyle/>
           <a:p>
             <a:r>
-              <a:rPr lang="tr-TR" dirty="0" err="1" smtClean="0"/>
+              <a:rPr lang="tr-TR" dirty="0" err="1"/>
               <a:t>Lower</a:t>
             </a:r>
             <a:r>
-              <a:rPr lang="tr-TR" dirty="0" smtClean="0"/>
+              <a:rPr lang="tr-TR" dirty="0"/>
               <a:t>():Verilen değeri küçük harfe çevirir.</a:t>
             </a:r>
           </a:p>
           <a:p>
             <a:r>
-              <a:rPr lang="tr-TR" dirty="0" smtClean="0"/>
+              <a:rPr lang="tr-TR" dirty="0"/>
               <a:t>Select </a:t>
             </a:r>
             <a:r>
-              <a:rPr lang="tr-TR" dirty="0" err="1" smtClean="0"/>
+              <a:rPr lang="tr-TR" dirty="0" err="1"/>
               <a:t>lower</a:t>
             </a:r>
             <a:r>
-              <a:rPr lang="tr-TR" dirty="0" smtClean="0"/>
+              <a:rPr lang="tr-TR" dirty="0"/>
               <a:t>(ad) </a:t>
             </a:r>
             <a:r>
-              <a:rPr lang="tr-TR" dirty="0" err="1" smtClean="0"/>
+              <a:rPr lang="tr-TR" dirty="0" err="1"/>
               <a:t>from</a:t>
             </a:r>
             <a:r>
-              <a:rPr lang="tr-TR" dirty="0" smtClean="0"/>
+              <a:rPr lang="tr-TR" dirty="0"/>
               <a:t> Tablo</a:t>
             </a:r>
           </a:p>
           <a:p>
             <a:r>
-              <a:rPr lang="tr-TR" dirty="0" err="1" smtClean="0"/>
+              <a:rPr lang="tr-TR" dirty="0" err="1"/>
               <a:t>Upper</a:t>
             </a:r>
             <a:r>
-              <a:rPr lang="tr-TR" dirty="0" smtClean="0"/>
-              <a:t>():</a:t>
-            </a:r>
-            <a:r>
-              <a:rPr lang="tr-TR" dirty="0"/>
-              <a:t>Verilen değeri </a:t>
-            </a:r>
-            <a:r>
-              <a:rPr lang="tr-TR" dirty="0" smtClean="0"/>
-              <a:t>büyük </a:t>
-            </a:r>
-            <a:r>
-              <a:rPr lang="tr-TR" dirty="0"/>
-              <a:t>harfe çevirir.</a:t>
+              <a:rPr lang="tr-TR" dirty="0"/>
+              <a:t>():Verilen değeri büyük harfe çevirir.</a:t>
             </a:r>
           </a:p>
           <a:p>
@@ -10141,16 +9935,12 @@
               <a:t>Select </a:t>
             </a:r>
             <a:r>
-              <a:rPr lang="tr-TR" dirty="0" err="1" smtClean="0"/>
+              <a:rPr lang="tr-TR" dirty="0" err="1"/>
               <a:t>upper</a:t>
             </a:r>
             <a:r>
-              <a:rPr lang="tr-TR" dirty="0" smtClean="0"/>
-              <a:t>(ad</a:t>
-            </a:r>
-            <a:r>
-              <a:rPr lang="tr-TR" dirty="0"/>
-              <a:t>) </a:t>
+              <a:rPr lang="tr-TR" dirty="0"/>
+              <a:t>(ad) </a:t>
             </a:r>
             <a:r>
               <a:rPr lang="tr-TR" dirty="0" err="1"/>
@@ -10158,70 +9948,41 @@
             </a:r>
             <a:r>
               <a:rPr lang="tr-TR" dirty="0"/>
-              <a:t> </a:t>
-            </a:r>
-            <a:r>
-              <a:rPr lang="tr-TR" dirty="0" smtClean="0"/>
-              <a:t>Tablo</a:t>
-            </a:r>
-          </a:p>
-          <a:p>
-            <a:r>
-              <a:rPr lang="tr-TR" dirty="0" err="1" smtClean="0"/>
+              <a:t> Tablo</a:t>
+            </a:r>
+          </a:p>
+          <a:p>
+            <a:r>
+              <a:rPr lang="tr-TR" dirty="0" err="1"/>
               <a:t>Trim</a:t>
             </a:r>
             <a:r>
-              <a:rPr lang="tr-TR" dirty="0" smtClean="0"/>
+              <a:rPr lang="tr-TR" dirty="0"/>
               <a:t>():Gelen verinin başındaki ve sonundaki boşlukları kaldırır</a:t>
             </a:r>
           </a:p>
           <a:p>
             <a:r>
-              <a:rPr lang="tr-TR" dirty="0" err="1" smtClean="0"/>
+              <a:rPr lang="tr-TR" dirty="0" err="1"/>
               <a:t>Rtrim</a:t>
             </a:r>
             <a:r>
-              <a:rPr lang="tr-TR" dirty="0" smtClean="0"/>
-              <a:t>():</a:t>
-            </a:r>
-            <a:r>
-              <a:rPr lang="tr-TR" dirty="0"/>
-              <a:t> Gelen verinin </a:t>
-            </a:r>
-            <a:r>
-              <a:rPr lang="tr-TR" dirty="0" smtClean="0"/>
-              <a:t>sonundaki </a:t>
-            </a:r>
-            <a:r>
-              <a:rPr lang="tr-TR" dirty="0"/>
-              <a:t>boşlukları kaldırır</a:t>
-            </a:r>
-            <a:endParaRPr lang="tr-TR" dirty="0" smtClean="0"/>
-          </a:p>
-          <a:p>
-            <a:r>
-              <a:rPr lang="tr-TR" dirty="0" err="1" smtClean="0"/>
+              <a:rPr lang="tr-TR" dirty="0"/>
+              <a:t>(): Gelen verinin sonundaki boşlukları kaldırır</a:t>
+            </a:r>
+          </a:p>
+          <a:p>
+            <a:r>
+              <a:rPr lang="tr-TR" dirty="0" err="1"/>
               <a:t>Ltrim</a:t>
             </a:r>
             <a:r>
-              <a:rPr lang="tr-TR" dirty="0" smtClean="0"/>
-              <a:t>():</a:t>
-            </a:r>
-            <a:r>
-              <a:rPr lang="tr-TR" dirty="0"/>
-              <a:t> Gelen verinin </a:t>
-            </a:r>
-            <a:r>
-              <a:rPr lang="tr-TR" dirty="0" smtClean="0"/>
-              <a:t>başındaki </a:t>
-            </a:r>
-            <a:r>
-              <a:rPr lang="tr-TR" dirty="0"/>
-              <a:t>boşlukları kaldırır</a:t>
-            </a:r>
-          </a:p>
-          <a:p>
-            <a:endParaRPr lang="tr-TR" dirty="0" smtClean="0"/>
+              <a:rPr lang="tr-TR" dirty="0"/>
+              <a:t>(): Gelen verinin başındaki boşlukları kaldırır</a:t>
+            </a:r>
+          </a:p>
+          <a:p>
+            <a:endParaRPr lang="tr-TR" dirty="0"/>
           </a:p>
           <a:p>
             <a:endParaRPr lang="tr-TR" dirty="0"/>
@@ -10394,33 +10155,33 @@
           <a:lstStyle/>
           <a:p>
             <a:r>
-              <a:rPr lang="tr-TR" dirty="0" err="1" smtClean="0"/>
+              <a:rPr lang="tr-TR" dirty="0" err="1"/>
               <a:t>Len</a:t>
             </a:r>
             <a:r>
-              <a:rPr lang="tr-TR" dirty="0" smtClean="0"/>
+              <a:rPr lang="tr-TR" dirty="0"/>
               <a:t>():Verinin karakter sayısını bulur.</a:t>
             </a:r>
           </a:p>
           <a:p>
             <a:r>
-              <a:rPr lang="tr-TR" dirty="0" smtClean="0"/>
+              <a:rPr lang="tr-TR" dirty="0"/>
               <a:t>Select </a:t>
             </a:r>
             <a:r>
-              <a:rPr lang="tr-TR" dirty="0" err="1" smtClean="0"/>
+              <a:rPr lang="tr-TR" dirty="0" err="1"/>
               <a:t>len</a:t>
             </a:r>
             <a:r>
-              <a:rPr lang="tr-TR" dirty="0" smtClean="0"/>
+              <a:rPr lang="tr-TR" dirty="0"/>
               <a:t>(adi) </a:t>
             </a:r>
             <a:r>
-              <a:rPr lang="tr-TR" dirty="0" err="1" smtClean="0"/>
+              <a:rPr lang="tr-TR" dirty="0" err="1"/>
               <a:t>from</a:t>
             </a:r>
             <a:r>
-              <a:rPr lang="tr-TR" dirty="0" smtClean="0"/>
+              <a:rPr lang="tr-TR" dirty="0"/>
               <a:t> Tablo</a:t>
             </a:r>
           </a:p>
@@ -10573,19 +10334,19 @@
               <a:t>tur,’roman’,’hikaye</a:t>
             </a:r>
             <a:r>
-              <a:rPr lang="tr-TR" dirty="0" smtClean="0"/>
+              <a:rPr lang="tr-TR" dirty="0"/>
               <a:t>’) </a:t>
             </a:r>
             <a:r>
-              <a:rPr lang="tr-TR" dirty="0" err="1" smtClean="0"/>
+              <a:rPr lang="tr-TR" dirty="0" err="1"/>
               <a:t>from</a:t>
             </a:r>
             <a:r>
-              <a:rPr lang="tr-TR" dirty="0" smtClean="0"/>
+              <a:rPr lang="tr-TR" dirty="0"/>
               <a:t> </a:t>
             </a:r>
             <a:r>
-              <a:rPr lang="tr-TR" dirty="0" err="1" smtClean="0"/>
+              <a:rPr lang="tr-TR" dirty="0" err="1"/>
               <a:t>tabloadı</a:t>
             </a:r>
             <a:endParaRPr lang="tr-TR" dirty="0"/>
@@ -10753,15 +10514,7 @@
             </a:r>
             <a:r>
               <a:rPr lang="tr-TR" dirty="0"/>
-              <a:t> Gemlik</a:t>
-            </a:r>
-            <a:r>
-              <a:rPr lang="tr-TR" dirty="0" smtClean="0"/>
-              <a:t>’) </a:t>
-            </a:r>
-            <a:r>
-              <a:rPr lang="tr-TR" dirty="0"/>
-              <a:t>=&gt;7</a:t>
+              <a:t> Gemlik’) =&gt;7</a:t>
             </a:r>
           </a:p>
           <a:p>
@@ -10909,57 +10662,57 @@
           <a:lstStyle/>
           <a:p>
             <a:r>
-              <a:rPr lang="tr-TR" dirty="0" err="1" smtClean="0"/>
+              <a:rPr lang="tr-TR" dirty="0" err="1"/>
               <a:t>Reverse</a:t>
             </a:r>
             <a:r>
-              <a:rPr lang="tr-TR" dirty="0" smtClean="0"/>
+              <a:rPr lang="tr-TR" dirty="0"/>
               <a:t>():İlgili veriyi tersten yazar.</a:t>
             </a:r>
           </a:p>
           <a:p>
             <a:r>
-              <a:rPr lang="tr-TR" dirty="0" smtClean="0"/>
+              <a:rPr lang="tr-TR" dirty="0"/>
               <a:t>Select </a:t>
             </a:r>
             <a:r>
-              <a:rPr lang="tr-TR" dirty="0" err="1" smtClean="0"/>
+              <a:rPr lang="tr-TR" dirty="0" err="1"/>
               <a:t>reverse</a:t>
             </a:r>
             <a:r>
-              <a:rPr lang="tr-TR" dirty="0" smtClean="0"/>
+              <a:rPr lang="tr-TR" dirty="0"/>
               <a:t>(ad) </a:t>
             </a:r>
             <a:r>
-              <a:rPr lang="tr-TR" dirty="0" err="1" smtClean="0"/>
+              <a:rPr lang="tr-TR" dirty="0" err="1"/>
               <a:t>from</a:t>
             </a:r>
             <a:r>
-              <a:rPr lang="tr-TR" dirty="0" smtClean="0"/>
+              <a:rPr lang="tr-TR" dirty="0"/>
               <a:t> tablo</a:t>
             </a:r>
           </a:p>
           <a:p>
             <a:r>
-              <a:rPr lang="tr-TR" dirty="0" err="1" smtClean="0"/>
+              <a:rPr lang="tr-TR" dirty="0" err="1"/>
               <a:t>Abs</a:t>
             </a:r>
             <a:r>
-              <a:rPr lang="tr-TR" dirty="0" smtClean="0"/>
+              <a:rPr lang="tr-TR" dirty="0"/>
               <a:t>():Mutlak değerini alır.</a:t>
             </a:r>
           </a:p>
           <a:p>
             <a:r>
-              <a:rPr lang="tr-TR" dirty="0" smtClean="0"/>
+              <a:rPr lang="tr-TR" dirty="0"/>
               <a:t>Select </a:t>
             </a:r>
             <a:r>
-              <a:rPr lang="tr-TR" dirty="0" err="1" smtClean="0"/>
+              <a:rPr lang="tr-TR" dirty="0" err="1"/>
               <a:t>abs</a:t>
             </a:r>
             <a:r>
-              <a:rPr lang="tr-TR" dirty="0" smtClean="0"/>
+              <a:rPr lang="tr-TR" dirty="0"/>
               <a:t>(-2)</a:t>
             </a:r>
           </a:p>
@@ -11333,160 +11086,159 @@
           <a:lstStyle/>
           <a:p>
             <a:r>
-              <a:rPr lang="tr-TR" dirty="0" err="1" smtClean="0"/>
+              <a:rPr lang="tr-TR" dirty="0" err="1"/>
               <a:t>Power</a:t>
             </a:r>
             <a:r>
-              <a:rPr lang="tr-TR" dirty="0" smtClean="0"/>
+              <a:rPr lang="tr-TR" dirty="0"/>
               <a:t>():Bir değerin üssünü alır.</a:t>
             </a:r>
           </a:p>
           <a:p>
             <a:r>
-              <a:rPr lang="tr-TR" dirty="0" smtClean="0"/>
+              <a:rPr lang="tr-TR" dirty="0"/>
               <a:t>Select </a:t>
             </a:r>
             <a:r>
-              <a:rPr lang="tr-TR" dirty="0" err="1" smtClean="0"/>
+              <a:rPr lang="tr-TR" dirty="0" err="1"/>
               <a:t>Power</a:t>
             </a:r>
             <a:r>
-              <a:rPr lang="tr-TR" dirty="0" smtClean="0"/>
+              <a:rPr lang="tr-TR" dirty="0"/>
               <a:t>(2,3)=&gt;2</a:t>
             </a:r>
             <a:r>
-              <a:rPr lang="tr-TR" baseline="30000" dirty="0" smtClean="0"/>
+              <a:rPr lang="tr-TR" baseline="30000" dirty="0"/>
               <a:t>3 </a:t>
             </a:r>
             <a:r>
-              <a:rPr lang="tr-TR" dirty="0" smtClean="0"/>
+              <a:rPr lang="tr-TR" dirty="0"/>
               <a:t>=8</a:t>
             </a:r>
           </a:p>
           <a:p>
             <a:r>
-              <a:rPr lang="tr-TR" dirty="0" err="1" smtClean="0"/>
+              <a:rPr lang="tr-TR" dirty="0" err="1"/>
               <a:t>Sqrt</a:t>
             </a:r>
             <a:r>
-              <a:rPr lang="tr-TR" dirty="0" smtClean="0"/>
+              <a:rPr lang="tr-TR" dirty="0"/>
               <a:t>():Bir değerin karekökünü alır.</a:t>
             </a:r>
           </a:p>
           <a:p>
             <a:r>
-              <a:rPr lang="tr-TR" dirty="0" smtClean="0"/>
+              <a:rPr lang="tr-TR" dirty="0"/>
               <a:t>Select </a:t>
             </a:r>
             <a:r>
-              <a:rPr lang="tr-TR" dirty="0" err="1" smtClean="0"/>
+              <a:rPr lang="tr-TR" dirty="0" err="1"/>
               <a:t>sqrt</a:t>
             </a:r>
             <a:r>
-              <a:rPr lang="tr-TR" dirty="0" smtClean="0"/>
+              <a:rPr lang="tr-TR" dirty="0"/>
               <a:t>(16) =&gt;4</a:t>
             </a:r>
           </a:p>
           <a:p>
             <a:r>
-              <a:rPr lang="tr-TR" dirty="0" err="1" smtClean="0"/>
+              <a:rPr lang="tr-TR" dirty="0" err="1"/>
               <a:t>Sum</a:t>
             </a:r>
             <a:r>
-              <a:rPr lang="tr-TR" dirty="0" smtClean="0"/>
+              <a:rPr lang="tr-TR" dirty="0"/>
               <a:t>():Toplamını bulur.</a:t>
             </a:r>
           </a:p>
           <a:p>
             <a:r>
-              <a:rPr lang="tr-TR" dirty="0" smtClean="0"/>
+              <a:rPr lang="tr-TR" dirty="0"/>
               <a:t>Select </a:t>
             </a:r>
             <a:r>
-              <a:rPr lang="tr-TR" dirty="0" err="1" smtClean="0"/>
+              <a:rPr lang="tr-TR" dirty="0" err="1"/>
               <a:t>sum</a:t>
             </a:r>
             <a:r>
-              <a:rPr lang="tr-TR" dirty="0" smtClean="0"/>
+              <a:rPr lang="tr-TR" dirty="0"/>
               <a:t>(</a:t>
             </a:r>
             <a:r>
-              <a:rPr lang="tr-TR" dirty="0" err="1" smtClean="0"/>
+              <a:rPr lang="tr-TR" dirty="0" err="1"/>
               <a:t>maas</a:t>
             </a:r>
             <a:r>
-              <a:rPr lang="tr-TR" dirty="0" smtClean="0"/>
+              <a:rPr lang="tr-TR" dirty="0"/>
               <a:t>) </a:t>
             </a:r>
             <a:r>
-              <a:rPr lang="tr-TR" dirty="0" err="1" smtClean="0"/>
+              <a:rPr lang="tr-TR" dirty="0" err="1"/>
               <a:t>from</a:t>
             </a:r>
             <a:r>
-              <a:rPr lang="tr-TR" dirty="0" smtClean="0"/>
+              <a:rPr lang="tr-TR" dirty="0"/>
               <a:t> tablo</a:t>
             </a:r>
           </a:p>
           <a:p>
             <a:r>
-              <a:rPr lang="tr-TR" dirty="0" err="1" smtClean="0"/>
+              <a:rPr lang="tr-TR" dirty="0" err="1"/>
               <a:t>Avg</a:t>
             </a:r>
             <a:r>
-              <a:rPr lang="tr-TR" dirty="0" smtClean="0"/>
+              <a:rPr lang="tr-TR" dirty="0"/>
               <a:t>():Ortalamasını bulur.</a:t>
             </a:r>
           </a:p>
           <a:p>
             <a:r>
-              <a:rPr lang="tr-TR" dirty="0" err="1" smtClean="0"/>
+              <a:rPr lang="tr-TR" dirty="0" err="1"/>
               <a:t>Min</a:t>
             </a:r>
             <a:r>
-              <a:rPr lang="tr-TR" dirty="0" smtClean="0"/>
+              <a:rPr lang="tr-TR" dirty="0"/>
               <a:t>():</a:t>
             </a:r>
             <a:r>
-              <a:rPr lang="tr-TR" dirty="0" err="1" smtClean="0"/>
+              <a:rPr lang="tr-TR" dirty="0" err="1"/>
               <a:t>Mimimum</a:t>
             </a:r>
             <a:r>
-              <a:rPr lang="tr-TR" dirty="0" smtClean="0"/>
+              <a:rPr lang="tr-TR" dirty="0"/>
               <a:t> değeri bulur. </a:t>
             </a:r>
             <a:r>
-              <a:rPr lang="tr-TR" dirty="0" err="1" smtClean="0"/>
+              <a:rPr lang="tr-TR" dirty="0" err="1"/>
               <a:t>Max</a:t>
             </a:r>
             <a:r>
-              <a:rPr lang="tr-TR" dirty="0" smtClean="0"/>
+              <a:rPr lang="tr-TR" dirty="0"/>
               <a:t>():Maksimum değeri bulur.</a:t>
             </a:r>
           </a:p>
           <a:p>
             <a:r>
-              <a:rPr lang="tr-TR" dirty="0" err="1" smtClean="0"/>
+              <a:rPr lang="tr-TR" dirty="0" err="1"/>
               <a:t>Count</a:t>
             </a:r>
             <a:r>
-              <a:rPr lang="tr-TR" dirty="0" smtClean="0"/>
+              <a:rPr lang="tr-TR" dirty="0"/>
               <a:t>():Satır sayısını bulur.</a:t>
             </a:r>
           </a:p>
           <a:p>
             <a:r>
-              <a:rPr lang="tr-TR" dirty="0" smtClean="0"/>
+              <a:rPr lang="tr-TR" dirty="0"/>
               <a:t>%:Bölmeden kalanı bulur.  X%Y ; </a:t>
             </a:r>
             <a:r>
-              <a:rPr lang="tr-TR" dirty="0" err="1" smtClean="0"/>
+              <a:rPr lang="tr-TR" dirty="0" err="1"/>
               <a:t>x’in</a:t>
             </a:r>
             <a:r>
-              <a:rPr lang="tr-TR" dirty="0" smtClean="0"/>
+              <a:rPr lang="tr-TR" dirty="0"/>
               <a:t> y’ye bölününce kalanını verir.</a:t>
             </a:r>
-            <a:endParaRPr lang="tr-TR" dirty="0"/>
           </a:p>
         </p:txBody>
       </p:sp>
@@ -11608,57 +11360,49 @@
           <a:lstStyle/>
           <a:p>
             <a:r>
-              <a:rPr lang="tr-TR" dirty="0" err="1" smtClean="0"/>
+              <a:rPr lang="tr-TR" dirty="0" err="1"/>
               <a:t>Current_timestamp</a:t>
             </a:r>
             <a:r>
-              <a:rPr lang="tr-TR" dirty="0" smtClean="0"/>
+              <a:rPr lang="tr-TR" dirty="0"/>
               <a:t>: Anlık tarih ve saat bilgisini verir.</a:t>
             </a:r>
           </a:p>
           <a:p>
             <a:r>
-              <a:rPr lang="tr-TR" dirty="0" err="1" smtClean="0"/>
+              <a:rPr lang="tr-TR" dirty="0" err="1"/>
               <a:t>getdate</a:t>
             </a:r>
             <a:r>
-              <a:rPr lang="tr-TR" dirty="0" smtClean="0"/>
-              <a:t>(): </a:t>
-            </a:r>
-            <a:r>
-              <a:rPr lang="tr-TR" dirty="0"/>
-              <a:t>Anlık tarih ve saat bilgisini verir</a:t>
-            </a:r>
-            <a:r>
-              <a:rPr lang="tr-TR" dirty="0" smtClean="0"/>
-              <a:t>.</a:t>
-            </a:r>
-          </a:p>
-          <a:p>
-            <a:r>
-              <a:rPr lang="tr-TR" dirty="0" err="1" smtClean="0"/>
+              <a:rPr lang="tr-TR" dirty="0"/>
+              <a:t>(): Anlık tarih ve saat bilgisini verir.</a:t>
+            </a:r>
+          </a:p>
+          <a:p>
+            <a:r>
+              <a:rPr lang="tr-TR" dirty="0" err="1"/>
               <a:t>Datepart</a:t>
             </a:r>
             <a:r>
-              <a:rPr lang="tr-TR" dirty="0" smtClean="0"/>
+              <a:rPr lang="tr-TR" dirty="0"/>
               <a:t>():Tarih-saat bilgisinden istenileni alır.</a:t>
             </a:r>
           </a:p>
           <a:p>
             <a:r>
-              <a:rPr lang="tr-TR" dirty="0" err="1" smtClean="0"/>
+              <a:rPr lang="tr-TR" dirty="0" err="1"/>
               <a:t>Datepart</a:t>
             </a:r>
             <a:r>
-              <a:rPr lang="tr-TR" dirty="0" smtClean="0"/>
+              <a:rPr lang="tr-TR" dirty="0"/>
               <a:t>(</a:t>
             </a:r>
             <a:r>
-              <a:rPr lang="tr-TR" dirty="0" err="1" smtClean="0"/>
+              <a:rPr lang="tr-TR" dirty="0" err="1"/>
               <a:t>alınacak_bilgi,tarih_saat_bilgisi</a:t>
             </a:r>
             <a:r>
-              <a:rPr lang="tr-TR" dirty="0" smtClean="0"/>
+              <a:rPr lang="tr-TR" dirty="0"/>
               <a:t>)</a:t>
             </a:r>
           </a:p>
@@ -11667,41 +11411,41 @@
               <a:buNone/>
             </a:pPr>
             <a:r>
-              <a:rPr lang="tr-TR" dirty="0" smtClean="0"/>
+              <a:rPr lang="tr-TR" dirty="0"/>
               <a:t>	Select </a:t>
             </a:r>
             <a:r>
-              <a:rPr lang="tr-TR" dirty="0" err="1" smtClean="0"/>
+              <a:rPr lang="tr-TR" dirty="0" err="1"/>
               <a:t>datepart</a:t>
             </a:r>
             <a:r>
-              <a:rPr lang="tr-TR" dirty="0" smtClean="0"/>
+              <a:rPr lang="tr-TR" dirty="0"/>
               <a:t>(</a:t>
             </a:r>
             <a:r>
-              <a:rPr lang="tr-TR" dirty="0" err="1" smtClean="0"/>
+              <a:rPr lang="tr-TR" dirty="0" err="1"/>
               <a:t>year</a:t>
             </a:r>
             <a:r>
-              <a:rPr lang="tr-TR" dirty="0" smtClean="0"/>
+              <a:rPr lang="tr-TR" dirty="0"/>
               <a:t>, </a:t>
             </a:r>
             <a:r>
-              <a:rPr lang="tr-TR" dirty="0" err="1" smtClean="0"/>
+              <a:rPr lang="tr-TR" dirty="0" err="1"/>
               <a:t>getdate</a:t>
             </a:r>
             <a:r>
-              <a:rPr lang="tr-TR" dirty="0" smtClean="0"/>
+              <a:rPr lang="tr-TR" dirty="0"/>
               <a:t>())  =&gt;2021</a:t>
             </a:r>
           </a:p>
           <a:p>
             <a:r>
-              <a:rPr lang="tr-TR" dirty="0" err="1" smtClean="0"/>
+              <a:rPr lang="tr-TR" dirty="0" err="1"/>
               <a:t>Datename</a:t>
             </a:r>
             <a:r>
-              <a:rPr lang="tr-TR" dirty="0" smtClean="0"/>
+              <a:rPr lang="tr-TR" dirty="0"/>
               <a:t>():Belirtilen tarihin istenilen bölümünü almak için.</a:t>
             </a:r>
           </a:p>
@@ -11710,14 +11454,14 @@
               <a:buNone/>
             </a:pPr>
             <a:r>
-              <a:rPr lang="tr-TR" dirty="0" smtClean="0"/>
+              <a:rPr lang="tr-TR" dirty="0"/>
               <a:t>	</a:t>
             </a:r>
             <a:r>
-              <a:rPr lang="tr-TR" dirty="0" err="1" smtClean="0"/>
+              <a:rPr lang="tr-TR" dirty="0" err="1"/>
               <a:t>December</a:t>
             </a:r>
-            <a:endParaRPr lang="tr-TR" dirty="0" smtClean="0"/>
+            <a:endParaRPr lang="tr-TR" dirty="0"/>
           </a:p>
         </p:txBody>
       </p:sp>
@@ -11921,20 +11665,8 @@
               <a:t>year</a:t>
             </a:r>
             <a:r>
-              <a:rPr lang="tr-TR" dirty="0" smtClean="0"/>
-              <a:t>,</a:t>
-            </a:r>
-            <a:r>
-              <a:rPr lang="tr-TR" dirty="0"/>
-              <a:t> ’30.06.1998</a:t>
-            </a:r>
-            <a:r>
-              <a:rPr lang="tr-TR" dirty="0" smtClean="0"/>
-              <a:t>’,’12.12.2005’) </a:t>
-            </a:r>
-            <a:r>
-              <a:rPr lang="tr-TR" dirty="0"/>
-              <a:t>	</a:t>
+              <a:rPr lang="tr-TR" dirty="0"/>
+              <a:t>, ’30.06.1998’,’12.12.2005’) 	</a:t>
             </a:r>
           </a:p>
           <a:p>
@@ -12096,19 +11828,15 @@
           <a:lstStyle/>
           <a:p>
             <a:r>
-              <a:rPr lang="tr-TR" dirty="0" smtClean="0"/>
-              <a:t>ALTER </a:t>
-            </a:r>
-            <a:r>
-              <a:rPr lang="tr-TR" dirty="0"/>
-              <a:t>TABLE </a:t>
-            </a:r>
-            <a:r>
-              <a:rPr lang="tr-TR" dirty="0" err="1" smtClean="0"/>
+              <a:rPr lang="tr-TR" dirty="0"/>
+              <a:t>ALTER TABLE </a:t>
+            </a:r>
+            <a:r>
+              <a:rPr lang="tr-TR" dirty="0" err="1"/>
               <a:t>table_name</a:t>
             </a:r>
             <a:r>
-              <a:rPr lang="tr-TR" dirty="0" smtClean="0"/>
+              <a:rPr lang="tr-TR" dirty="0"/>
               <a:t> ADD </a:t>
             </a:r>
             <a:r>
@@ -12120,11 +11848,11 @@
               <a:t> </a:t>
             </a:r>
             <a:r>
-              <a:rPr lang="tr-TR" dirty="0" err="1" smtClean="0"/>
+              <a:rPr lang="tr-TR" dirty="0" err="1"/>
               <a:t>column_definition</a:t>
             </a:r>
             <a:r>
-              <a:rPr lang="tr-TR" dirty="0" smtClean="0"/>
+              <a:rPr lang="tr-TR" dirty="0"/>
               <a:t>;</a:t>
             </a:r>
           </a:p>
@@ -12155,28 +11883,24 @@
             </a:r>
             <a:r>
               <a:rPr lang="it-IT" dirty="0"/>
+              <a:t> sutun1 veri_turu,</a:t>
+            </a:r>
+            <a:r>
+              <a:rPr lang="tr-TR" dirty="0"/>
               <a:t> </a:t>
             </a:r>
             <a:r>
-              <a:rPr lang="it-IT" dirty="0" smtClean="0"/>
-              <a:t>sutun1 veri_turu,</a:t>
-            </a:r>
-            <a:r>
-              <a:rPr lang="tr-TR" dirty="0" smtClean="0"/>
-              <a:t> </a:t>
-            </a:r>
-            <a:r>
-              <a:rPr lang="it-IT" dirty="0" smtClean="0"/>
+              <a:rPr lang="it-IT" dirty="0"/>
               <a:t>sutun2 veri_turu</a:t>
             </a:r>
             <a:r>
-              <a:rPr lang="tr-TR" dirty="0" smtClean="0"/>
+              <a:rPr lang="tr-TR" dirty="0"/>
               <a:t>;</a:t>
             </a:r>
             <a:endParaRPr lang="it-IT" dirty="0"/>
           </a:p>
           <a:p>
-            <a:endParaRPr lang="tr-TR" dirty="0" smtClean="0"/>
+            <a:endParaRPr lang="tr-TR" dirty="0"/>
           </a:p>
           <a:p>
             <a:endParaRPr lang="tr-TR" dirty="0"/>
@@ -12193,13 +11917,6 @@
   <p:clrMapOvr>
     <a:masterClrMapping/>
   </p:clrMapOvr>
-  <p:timing>
-    <p:tnLst>
-      <p:par>
-        <p:cTn id="1" dur="indefinite" restart="never" nodeType="tmRoot"/>
-      </p:par>
-    </p:tnLst>
-  </p:timing>
 </p:sld>
 </file>
 
@@ -12260,45 +11977,21 @@
             <a:pPr algn="just"/>
             <a:r>
               <a:rPr lang="tr-TR" dirty="0"/>
-              <a:t>SQL dilinde bir tablodaki kayıtların toplam </a:t>
-            </a:r>
-            <a:r>
-              <a:rPr lang="tr-TR" dirty="0" smtClean="0"/>
-              <a:t>sayısını belirlemek </a:t>
-            </a:r>
-            <a:r>
-              <a:rPr lang="tr-TR" dirty="0"/>
-              <a:t>için COUNT komutu kullanılır.</a:t>
+              <a:t>SQL dilinde bir tablodaki kayıtların toplam sayısını belirlemek için COUNT komutu kullanılır.</a:t>
             </a:r>
           </a:p>
           <a:p>
             <a:pPr algn="just"/>
             <a:r>
               <a:rPr lang="tr-TR" dirty="0"/>
-              <a:t> SQL dilinde bir tablodaki kayıtların toplam </a:t>
-            </a:r>
-            <a:r>
-              <a:rPr lang="tr-TR" dirty="0" smtClean="0"/>
-              <a:t>değerini belirlemek </a:t>
-            </a:r>
-            <a:r>
-              <a:rPr lang="tr-TR" dirty="0"/>
-              <a:t>için SUM komutu kullanılır.</a:t>
+              <a:t> SQL dilinde bir tablodaki kayıtların toplam değerini belirlemek için SUM komutu kullanılır.</a:t>
             </a:r>
           </a:p>
           <a:p>
             <a:pPr algn="just"/>
             <a:r>
               <a:rPr lang="tr-TR" dirty="0"/>
-              <a:t> SQL dilinde bir tablodaki kayıtların </a:t>
-            </a:r>
-            <a:r>
-              <a:rPr lang="tr-TR" dirty="0" smtClean="0"/>
-              <a:t>ortalamasını belirlemek </a:t>
-            </a:r>
-            <a:r>
-              <a:rPr lang="tr-TR" dirty="0"/>
-              <a:t>için AVG komutu kullanılır.</a:t>
+              <a:t> SQL dilinde bir tablodaki kayıtların ortalamasını belirlemek için AVG komutu kullanılır.</a:t>
             </a:r>
           </a:p>
         </p:txBody>
@@ -12313,13 +12006,6 @@
   <p:clrMapOvr>
     <a:masterClrMapping/>
   </p:clrMapOvr>
-  <p:timing>
-    <p:tnLst>
-      <p:par>
-        <p:cTn id="1" dur="indefinite" restart="never" nodeType="tmRoot"/>
-      </p:par>
-    </p:tnLst>
-  </p:timing>
 </p:sld>
 </file>
 
@@ -12389,19 +12075,19 @@
               <a:t>column_name</a:t>
             </a:r>
             <a:r>
-              <a:rPr lang="tr-TR" dirty="0" smtClean="0"/>
+              <a:rPr lang="tr-TR" dirty="0"/>
               <a:t>) FROM </a:t>
             </a:r>
             <a:r>
-              <a:rPr lang="tr-TR" i="1" dirty="0" err="1" smtClean="0"/>
+              <a:rPr lang="tr-TR" i="1" dirty="0" err="1"/>
               <a:t>table_name</a:t>
             </a:r>
             <a:r>
-              <a:rPr lang="tr-TR" i="1" dirty="0" smtClean="0"/>
+              <a:rPr lang="tr-TR" i="1" dirty="0"/>
               <a:t> </a:t>
             </a:r>
             <a:r>
-              <a:rPr lang="tr-TR" dirty="0" smtClean="0"/>
+              <a:rPr lang="tr-TR" dirty="0"/>
               <a:t>WHERE </a:t>
             </a:r>
             <a:r>
@@ -12424,19 +12110,19 @@
               <a:t>column_name</a:t>
             </a:r>
             <a:r>
-              <a:rPr lang="tr-TR" dirty="0" smtClean="0"/>
+              <a:rPr lang="tr-TR" dirty="0"/>
               <a:t>) FROM </a:t>
             </a:r>
             <a:r>
-              <a:rPr lang="tr-TR" i="1" dirty="0" err="1" smtClean="0"/>
+              <a:rPr lang="tr-TR" i="1" dirty="0" err="1"/>
               <a:t>table_name</a:t>
             </a:r>
             <a:r>
-              <a:rPr lang="tr-TR" i="1" dirty="0" smtClean="0"/>
+              <a:rPr lang="tr-TR" i="1" dirty="0"/>
               <a:t> </a:t>
             </a:r>
             <a:r>
-              <a:rPr lang="tr-TR" dirty="0" smtClean="0"/>
+              <a:rPr lang="tr-TR" dirty="0"/>
               <a:t>WHERE </a:t>
             </a:r>
             <a:r>
@@ -12459,19 +12145,19 @@
               <a:t>column_name</a:t>
             </a:r>
             <a:r>
-              <a:rPr lang="tr-TR" dirty="0" smtClean="0"/>
+              <a:rPr lang="tr-TR" dirty="0"/>
               <a:t>) FROM </a:t>
             </a:r>
             <a:r>
-              <a:rPr lang="tr-TR" i="1" dirty="0" err="1" smtClean="0"/>
+              <a:rPr lang="tr-TR" i="1" dirty="0" err="1"/>
               <a:t>table_name</a:t>
             </a:r>
             <a:r>
-              <a:rPr lang="tr-TR" i="1" dirty="0" smtClean="0"/>
+              <a:rPr lang="tr-TR" i="1" dirty="0"/>
               <a:t> </a:t>
             </a:r>
             <a:r>
-              <a:rPr lang="tr-TR" dirty="0" smtClean="0"/>
+              <a:rPr lang="tr-TR" dirty="0"/>
               <a:t>WHERE </a:t>
             </a:r>
             <a:r>
@@ -12495,13 +12181,6 @@
   <p:clrMapOvr>
     <a:masterClrMapping/>
   </p:clrMapOvr>
-  <p:timing>
-    <p:tnLst>
-      <p:par>
-        <p:cTn id="1" dur="indefinite" restart="never" nodeType="tmRoot"/>
-      </p:par>
-    </p:tnLst>
-  </p:timing>
 </p:sld>
 </file>
 
@@ -12566,29 +12245,21 @@
           <a:lstStyle/>
           <a:p>
             <a:r>
-              <a:rPr lang="tr-TR" sz="2400" dirty="0" smtClean="0"/>
-              <a:t> </a:t>
-            </a:r>
-          </a:p>
-          <a:p>
-            <a:r>
               <a:rPr lang="tr-TR" sz="2400" dirty="0"/>
               <a:t> </a:t>
             </a:r>
-            <a:r>
-              <a:rPr lang="tr-TR" sz="2400" dirty="0" smtClean="0"/>
-              <a:t>SELECT </a:t>
-            </a:r>
+          </a:p>
+          <a:p>
             <a:r>
               <a:rPr lang="tr-TR" sz="2400" dirty="0"/>
-              <a:t>COUNT(</a:t>
+              <a:t> SELECT COUNT(</a:t>
             </a:r>
             <a:r>
               <a:rPr lang="tr-TR" sz="2400" dirty="0" err="1"/>
               <a:t>ProductID</a:t>
             </a:r>
             <a:r>
-              <a:rPr lang="tr-TR" sz="2400" dirty="0" smtClean="0"/>
+              <a:rPr lang="tr-TR" sz="2400" dirty="0"/>
               <a:t>) FROM </a:t>
             </a:r>
             <a:r>
@@ -12610,7 +12281,7 @@
               <a:t>Price</a:t>
             </a:r>
             <a:r>
-              <a:rPr lang="tr-TR" sz="2400" dirty="0" smtClean="0"/>
+              <a:rPr lang="tr-TR" sz="2400" dirty="0"/>
               <a:t>) FROM </a:t>
             </a:r>
             <a:r>
@@ -12632,7 +12303,7 @@
               <a:t>Price</a:t>
             </a:r>
             <a:r>
-              <a:rPr lang="tr-TR" sz="2400" dirty="0" smtClean="0"/>
+              <a:rPr lang="tr-TR" sz="2400" dirty="0"/>
               <a:t>) FROM </a:t>
             </a:r>
             <a:r>
@@ -12704,13 +12375,6 @@
   <p:clrMapOvr>
     <a:masterClrMapping/>
   </p:clrMapOvr>
-  <p:timing>
-    <p:tnLst>
-      <p:par>
-        <p:cTn id="1" dur="indefinite" restart="never" nodeType="tmRoot"/>
-      </p:par>
-    </p:tnLst>
-  </p:timing>
 </p:sld>
 </file>
 
@@ -12769,27 +12433,27 @@
           <a:lstStyle/>
           <a:p>
             <a:r>
-              <a:rPr lang="tr-TR" dirty="0" smtClean="0"/>
+              <a:rPr lang="tr-TR" dirty="0"/>
               <a:t>SELECT MIN(</a:t>
             </a:r>
             <a:r>
-              <a:rPr lang="tr-TR" i="1" dirty="0" err="1" smtClean="0"/>
+              <a:rPr lang="tr-TR" i="1" dirty="0" err="1"/>
               <a:t>column_name</a:t>
             </a:r>
             <a:r>
-              <a:rPr lang="tr-TR" dirty="0" smtClean="0"/>
+              <a:rPr lang="tr-TR" dirty="0"/>
               <a:t>) FROM </a:t>
             </a:r>
             <a:r>
-              <a:rPr lang="tr-TR" i="1" dirty="0" err="1" smtClean="0"/>
+              <a:rPr lang="tr-TR" i="1" dirty="0" err="1"/>
               <a:t>table_name</a:t>
             </a:r>
             <a:r>
-              <a:rPr lang="tr-TR" i="1" dirty="0" smtClean="0"/>
+              <a:rPr lang="tr-TR" i="1" dirty="0"/>
               <a:t> </a:t>
             </a:r>
             <a:r>
-              <a:rPr lang="tr-TR" dirty="0" smtClean="0"/>
+              <a:rPr lang="tr-TR" dirty="0"/>
               <a:t>WHERE </a:t>
             </a:r>
             <a:r>
@@ -12803,27 +12467,27 @@
           </a:p>
           <a:p>
             <a:r>
-              <a:rPr lang="tr-TR" dirty="0" smtClean="0"/>
+              <a:rPr lang="tr-TR" dirty="0"/>
               <a:t>SELECT MAX(</a:t>
             </a:r>
             <a:r>
-              <a:rPr lang="tr-TR" i="1" dirty="0" err="1" smtClean="0"/>
+              <a:rPr lang="tr-TR" i="1" dirty="0" err="1"/>
               <a:t>column_name</a:t>
             </a:r>
             <a:r>
-              <a:rPr lang="tr-TR" dirty="0" smtClean="0"/>
+              <a:rPr lang="tr-TR" dirty="0"/>
               <a:t>) FROM </a:t>
             </a:r>
             <a:r>
-              <a:rPr lang="tr-TR" i="1" dirty="0" err="1" smtClean="0"/>
+              <a:rPr lang="tr-TR" i="1" dirty="0" err="1"/>
               <a:t>table_name</a:t>
             </a:r>
             <a:r>
-              <a:rPr lang="tr-TR" i="1" dirty="0" smtClean="0"/>
+              <a:rPr lang="tr-TR" i="1" dirty="0"/>
               <a:t> </a:t>
             </a:r>
             <a:r>
-              <a:rPr lang="tr-TR" dirty="0" smtClean="0"/>
+              <a:rPr lang="tr-TR" dirty="0"/>
               <a:t>WHERE </a:t>
             </a:r>
             <a:r>
@@ -12831,7 +12495,7 @@
               <a:t>condition</a:t>
             </a:r>
             <a:r>
-              <a:rPr lang="tr-TR" dirty="0" smtClean="0"/>
+              <a:rPr lang="tr-TR" dirty="0"/>
               <a:t>;</a:t>
             </a:r>
           </a:p>
@@ -12840,11 +12504,11 @@
           </a:p>
           <a:p>
             <a:r>
-              <a:rPr lang="tr-TR" dirty="0" smtClean="0"/>
+              <a:rPr lang="tr-TR" dirty="0"/>
               <a:t>SELECT MIN(</a:t>
             </a:r>
             <a:r>
-              <a:rPr lang="tr-TR" dirty="0" err="1" smtClean="0"/>
+              <a:rPr lang="tr-TR" dirty="0" err="1"/>
               <a:t>Price</a:t>
             </a:r>
             <a:r>
@@ -12852,11 +12516,11 @@
               <a:t>) AS </a:t>
             </a:r>
             <a:r>
-              <a:rPr lang="tr-TR" dirty="0" err="1" smtClean="0"/>
+              <a:rPr lang="tr-TR" dirty="0" err="1"/>
               <a:t>SmallestPrice</a:t>
             </a:r>
             <a:r>
-              <a:rPr lang="tr-TR" dirty="0" smtClean="0"/>
+              <a:rPr lang="tr-TR" dirty="0"/>
               <a:t> FROM </a:t>
             </a:r>
             <a:r>
@@ -12871,14 +12535,10 @@
           <a:p>
             <a:r>
               <a:rPr lang="tr-TR" dirty="0"/>
-              <a:t> </a:t>
-            </a:r>
-            <a:r>
-              <a:rPr lang="tr-TR" dirty="0" smtClean="0"/>
-              <a:t>SELECT MAX(</a:t>
-            </a:r>
-            <a:r>
-              <a:rPr lang="tr-TR" dirty="0" err="1" smtClean="0"/>
+              <a:t> SELECT MAX(</a:t>
+            </a:r>
+            <a:r>
+              <a:rPr lang="tr-TR" dirty="0" err="1"/>
               <a:t>Price</a:t>
             </a:r>
             <a:r>
@@ -12886,11 +12546,11 @@
               <a:t>) AS </a:t>
             </a:r>
             <a:r>
-              <a:rPr lang="tr-TR" dirty="0" err="1" smtClean="0"/>
+              <a:rPr lang="tr-TR" dirty="0" err="1"/>
               <a:t>LargestPrice</a:t>
             </a:r>
             <a:r>
-              <a:rPr lang="tr-TR" dirty="0" smtClean="0"/>
+              <a:rPr lang="tr-TR" dirty="0"/>
               <a:t> FROM </a:t>
             </a:r>
             <a:r>
@@ -12914,13 +12574,6 @@
   <p:clrMapOvr>
     <a:masterClrMapping/>
   </p:clrMapOvr>
-  <p:timing>
-    <p:tnLst>
-      <p:par>
-        <p:cTn id="1" dur="indefinite" restart="never" nodeType="tmRoot"/>
-      </p:par>
-    </p:tnLst>
-  </p:timing>
 </p:sld>
 </file>
 
@@ -12991,15 +12644,7 @@
             <a:pPr algn="just"/>
             <a:r>
               <a:rPr lang="tr-TR" dirty="0"/>
-              <a:t>Bazen bir sorgunun içinde başka bir sorgu yer alabilir</a:t>
-            </a:r>
-            <a:r>
-              <a:rPr lang="tr-TR" dirty="0" smtClean="0"/>
-              <a:t>, bu </a:t>
-            </a:r>
-            <a:r>
-              <a:rPr lang="tr-TR" dirty="0"/>
-              <a:t>gibi durumlarda iç içe </a:t>
+              <a:t>Bazen bir sorgunun içinde başka bir sorgu yer alabilir, bu gibi durumlarda iç içe </a:t>
             </a:r>
             <a:r>
               <a:rPr lang="tr-TR" dirty="0" err="1"/>
@@ -13014,46 +12659,14 @@
             <a:pPr algn="just"/>
             <a:r>
               <a:rPr lang="tr-TR" dirty="0"/>
-              <a:t> Alt sorgu = ifadesi ile karşılaştırılmışsa alt </a:t>
-            </a:r>
-            <a:r>
-              <a:rPr lang="tr-TR" dirty="0" smtClean="0"/>
-              <a:t>sorgudan dönen </a:t>
-            </a:r>
-            <a:r>
-              <a:rPr lang="tr-TR" dirty="0"/>
-              <a:t>değer tek olmalıdır. Eğer birden fazla </a:t>
-            </a:r>
-            <a:r>
-              <a:rPr lang="tr-TR" dirty="0" smtClean="0"/>
-              <a:t>değer dönüyorsa </a:t>
-            </a:r>
-            <a:r>
-              <a:rPr lang="tr-TR" dirty="0"/>
-              <a:t>in veya not in kullanılmalıdır.</a:t>
+              <a:t> Alt sorgu = ifadesi ile karşılaştırılmışsa alt sorgudan dönen değer tek olmalıdır. Eğer birden fazla değer dönüyorsa in veya not in kullanılmalıdır.</a:t>
             </a:r>
           </a:p>
           <a:p>
             <a:pPr algn="just"/>
             <a:r>
               <a:rPr lang="tr-TR" dirty="0"/>
-              <a:t> Bir sorgudan elde ettiğiniz sonucu, diğer bir sorgu </a:t>
-            </a:r>
-            <a:r>
-              <a:rPr lang="tr-TR" dirty="0" smtClean="0"/>
-              <a:t>için kullanmanız </a:t>
-            </a:r>
-            <a:r>
-              <a:rPr lang="tr-TR" dirty="0"/>
-              <a:t>gerektiğinde, iç içe sorgu </a:t>
-            </a:r>
-            <a:r>
-              <a:rPr lang="tr-TR" dirty="0" smtClean="0"/>
-              <a:t>kullanmanız gerekir</a:t>
-            </a:r>
-            <a:r>
-              <a:rPr lang="tr-TR" dirty="0"/>
-              <a:t>.</a:t>
+              <a:t> Bir sorgudan elde ettiğiniz sonucu, diğer bir sorgu için kullanmanız gerektiğinde, iç içe sorgu kullanmanız gerekir.</a:t>
             </a:r>
           </a:p>
         </p:txBody>
@@ -13068,13 +12681,6 @@
   <p:clrMapOvr>
     <a:masterClrMapping/>
   </p:clrMapOvr>
-  <p:timing>
-    <p:tnLst>
-      <p:par>
-        <p:cTn id="1" dur="indefinite" restart="never" nodeType="tmRoot"/>
-      </p:par>
-    </p:tnLst>
-  </p:timing>
 </p:sld>
 </file>
 
@@ -13202,13 +12808,6 @@
   <p:clrMapOvr>
     <a:masterClrMapping/>
   </p:clrMapOvr>
-  <p:timing>
-    <p:tnLst>
-      <p:par>
-        <p:cTn id="1" dur="indefinite" restart="never" nodeType="tmRoot"/>
-      </p:par>
-    </p:tnLst>
-  </p:timing>
 </p:sld>
 </file>
 
@@ -13279,23 +12878,7 @@
             <a:pPr algn="just"/>
             <a:r>
               <a:rPr lang="tr-TR" dirty="0"/>
-              <a:t>Öğrenci Tablosunda ali coşkun un bölümünde </a:t>
-            </a:r>
-            <a:r>
-              <a:rPr lang="tr-TR" dirty="0" smtClean="0"/>
-              <a:t>olan öğrencileri </a:t>
-            </a:r>
-            <a:r>
-              <a:rPr lang="tr-TR" dirty="0"/>
-              <a:t>listeleyen </a:t>
-            </a:r>
-            <a:r>
-              <a:rPr lang="tr-TR" dirty="0" smtClean="0"/>
-              <a:t>sorguyu </a:t>
-            </a:r>
-            <a:r>
-              <a:rPr lang="tr-TR" dirty="0"/>
-              <a:t>yazalım.</a:t>
+              <a:t>Öğrenci Tablosunda ali coşkun un bölümünde olan öğrencileri listeleyen sorguyu yazalım.</a:t>
             </a:r>
           </a:p>
           <a:p>
@@ -13318,19 +12901,11 @@
             </a:r>
             <a:r>
               <a:rPr lang="en-US" dirty="0"/>
-              <a:t> o WHERE </a:t>
-            </a:r>
-            <a:r>
-              <a:rPr lang="en-US" dirty="0" smtClean="0"/>
-              <a:t>o.ad</a:t>
-            </a:r>
-            <a:r>
-              <a:rPr lang="tr-TR" dirty="0" smtClean="0"/>
-              <a:t> =</a:t>
-            </a:r>
-            <a:r>
-              <a:rPr lang="tr-TR" dirty="0"/>
-              <a:t>'Ali' AND </a:t>
+              <a:t> o WHERE o.ad</a:t>
+            </a:r>
+            <a:r>
+              <a:rPr lang="tr-TR" dirty="0"/>
+              <a:t> ='Ali' AND </a:t>
             </a:r>
             <a:r>
               <a:rPr lang="tr-TR" dirty="0" err="1"/>
@@ -13338,13 +12913,8 @@
             </a:r>
             <a:r>
               <a:rPr lang="tr-TR" dirty="0"/>
-              <a:t>=</a:t>
-            </a:r>
-            <a:r>
-              <a:rPr lang="tr-TR" dirty="0" smtClean="0"/>
-              <a:t>'Coşkun‘ </a:t>
-            </a:r>
-            <a:endParaRPr lang="tr-TR" dirty="0"/>
+              <a:t>='Coşkun‘ </a:t>
+            </a:r>
           </a:p>
           <a:p>
             <a:pPr algn="just"/>
@@ -13361,15 +12931,15 @@
               <a:t> o WHERE </a:t>
             </a:r>
             <a:r>
-              <a:rPr lang="en-US" dirty="0" err="1" smtClean="0"/>
+              <a:rPr lang="en-US" dirty="0" err="1"/>
               <a:t>o.bolum_id</a:t>
             </a:r>
             <a:r>
-              <a:rPr lang="en-US" dirty="0" smtClean="0"/>
+              <a:rPr lang="en-US" dirty="0"/>
               <a:t>=1</a:t>
             </a:r>
             <a:r>
-              <a:rPr lang="tr-TR" dirty="0" smtClean="0"/>
+              <a:rPr lang="tr-TR" dirty="0"/>
               <a:t> </a:t>
             </a:r>
           </a:p>
@@ -13380,12 +12950,8 @@
               <a:t> </a:t>
             </a:r>
             <a:r>
-              <a:rPr lang="en-US" dirty="0" smtClean="0"/>
-              <a:t>SELECT </a:t>
-            </a:r>
-            <a:r>
               <a:rPr lang="en-US" dirty="0"/>
-              <a:t>* FROM </a:t>
+              <a:t>SELECT * FROM </a:t>
             </a:r>
             <a:r>
               <a:rPr lang="en-US" dirty="0" err="1"/>
@@ -13400,12 +12966,8 @@
               <a:t>o.bolum_id</a:t>
             </a:r>
             <a:r>
-              <a:rPr lang="en-US" dirty="0" smtClean="0"/>
-              <a:t>=(</a:t>
-            </a:r>
-            <a:r>
               <a:rPr lang="en-US" dirty="0"/>
-              <a:t>SELECT </a:t>
+              <a:t>=(SELECT </a:t>
             </a:r>
             <a:r>
               <a:rPr lang="en-US" dirty="0" err="1"/>
@@ -13416,11 +12978,11 @@
               <a:t> </a:t>
             </a:r>
             <a:r>
-              <a:rPr lang="tr-TR" dirty="0" smtClean="0"/>
+              <a:rPr lang="tr-TR" dirty="0"/>
               <a:t> </a:t>
             </a:r>
             <a:r>
-              <a:rPr lang="en-US" dirty="0" smtClean="0"/>
+              <a:rPr lang="en-US" dirty="0"/>
               <a:t>FROM </a:t>
             </a:r>
             <a:r>
@@ -13429,19 +12991,11 @@
             </a:r>
             <a:r>
               <a:rPr lang="en-US" dirty="0"/>
-              <a:t> o WHERE </a:t>
-            </a:r>
-            <a:r>
-              <a:rPr lang="en-US" dirty="0" smtClean="0"/>
-              <a:t>o.ad</a:t>
-            </a:r>
-            <a:r>
-              <a:rPr lang="tr-TR" dirty="0" smtClean="0"/>
-              <a:t> =</a:t>
-            </a:r>
-            <a:r>
-              <a:rPr lang="tr-TR" dirty="0"/>
-              <a:t>'Ali' AND </a:t>
+              <a:t> o WHERE o.ad</a:t>
+            </a:r>
+            <a:r>
+              <a:rPr lang="tr-TR" dirty="0"/>
+              <a:t> ='Ali' AND </a:t>
             </a:r>
             <a:r>
               <a:rPr lang="tr-TR" dirty="0" err="1"/>
@@ -13464,13 +13018,6 @@
   <p:clrMapOvr>
     <a:masterClrMapping/>
   </p:clrMapOvr>
-  <p:timing>
-    <p:tnLst>
-      <p:par>
-        <p:cTn id="1" dur="indefinite" restart="never" nodeType="tmRoot"/>
-      </p:par>
-    </p:tnLst>
-  </p:timing>
 </p:sld>
 </file>
 
@@ -13507,14 +13054,13 @@
           <a:lstStyle/>
           <a:p>
             <a:r>
-              <a:rPr lang="tr-TR" dirty="0" err="1" smtClean="0"/>
+              <a:rPr lang="tr-TR" dirty="0" err="1"/>
               <a:t>Join</a:t>
             </a:r>
             <a:r>
-              <a:rPr lang="tr-TR" dirty="0" smtClean="0"/>
+              <a:rPr lang="tr-TR" dirty="0"/>
               <a:t> İşlemleri</a:t>
             </a:r>
-            <a:endParaRPr lang="tr-TR" dirty="0"/>
           </a:p>
         </p:txBody>
       </p:sp>
@@ -13537,16 +13083,12 @@
           <a:p>
             <a:pPr algn="just"/>
             <a:r>
-              <a:rPr lang="tr-TR" dirty="0" err="1" smtClean="0"/>
+              <a:rPr lang="tr-TR" dirty="0" err="1"/>
               <a:t>Join</a:t>
             </a:r>
             <a:r>
-              <a:rPr lang="tr-TR" dirty="0" smtClean="0"/>
-              <a:t> (</a:t>
-            </a:r>
-            <a:r>
-              <a:rPr lang="tr-TR" dirty="0"/>
-              <a:t>Birleştirici), iki ya da daha fazla tabloyu aynı anda sorgulayarak bir sonuç tablosu (</a:t>
+              <a:rPr lang="tr-TR" dirty="0"/>
+              <a:t> (Birleştirici), iki ya da daha fazla tabloyu aynı anda sorgulayarak bir sonuç tablosu (</a:t>
             </a:r>
             <a:r>
               <a:rPr lang="tr-TR" dirty="0" err="1"/>
@@ -13562,11 +13104,7 @@
             </a:r>
             <a:r>
               <a:rPr lang="tr-TR" dirty="0"/>
-              <a:t>) oluşturmaya yarar. Örneğin: İki tabloyu birleştirici ile birleştirerek sonuç tablosu oluşturmak istenirse her iki tabloda da aynı olan alanlardan yola çıkılır. Böylece alanları kullanarak istenilen sonuç </a:t>
-            </a:r>
-            <a:r>
-              <a:rPr lang="tr-TR" dirty="0" smtClean="0"/>
-              <a:t>tablosu oluşturulabilir. </a:t>
+              <a:t>) oluşturmaya yarar. Örneğin: İki tabloyu birleştirici ile birleştirerek sonuç tablosu oluşturmak istenirse her iki tabloda da aynı olan alanlardan yola çıkılır. Böylece alanları kullanarak istenilen sonuç tablosu oluşturulabilir. </a:t>
             </a:r>
           </a:p>
           <a:p>
@@ -13574,20 +13112,12 @@
               <a:buNone/>
             </a:pPr>
             <a:r>
-              <a:rPr lang="tr-TR" dirty="0" smtClean="0"/>
+              <a:rPr lang="tr-TR" dirty="0"/>
               <a:t>                                                        </a:t>
             </a:r>
-            <a:r>
-              <a:rPr lang="tr-TR" dirty="0"/>
-              <a:t/>
-            </a:r>
             <a:br>
               <a:rPr lang="tr-TR" dirty="0"/>
             </a:br>
-            <a:r>
-              <a:rPr lang="tr-TR" dirty="0"/>
-              <a:t/>
-            </a:r>
             <a:br>
               <a:rPr lang="tr-TR" dirty="0"/>
             </a:br>
@@ -13603,12 +13133,11 @@
               <a:rPr lang="tr-TR" dirty="0"/>
               <a:t>) kullanılır: </a:t>
             </a:r>
-            <a:endParaRPr lang="tr-TR" dirty="0" smtClean="0"/>
           </a:p>
           <a:p>
             <a:pPr algn="just"/>
             <a:r>
-              <a:rPr lang="tr-TR" dirty="0" smtClean="0"/>
+              <a:rPr lang="tr-TR" dirty="0"/>
               <a:t>Inner </a:t>
             </a:r>
             <a:r>
@@ -13732,29 +13261,17 @@
             <a:pPr algn="just"/>
             <a:r>
               <a:rPr lang="tr-TR" dirty="0"/>
-              <a:t>Bu birleştiriciler dışında SELECT ifadesini kullanarak iki ya da daha fazla tablo üzerinde sorgulama yapılabilir. SELF JOIN kullanarak bir tablonun kendiyle birleştirilmesi sağlanabilir</a:t>
-            </a:r>
-            <a:r>
-              <a:rPr lang="tr-TR" dirty="0" smtClean="0"/>
-              <a:t>. </a:t>
+              <a:t>Bu birleştiriciler dışında SELECT ifadesini kullanarak iki ya da daha fazla tablo üzerinde sorgulama yapılabilir. SELF JOIN kullanarak bir tablonun kendiyle birleştirilmesi sağlanabilir. </a:t>
             </a:r>
           </a:p>
           <a:p>
             <a:pPr algn="just"/>
             <a:r>
-              <a:rPr lang="tr-TR" dirty="0" smtClean="0"/>
-              <a:t>Birleştiricilerde </a:t>
-            </a:r>
-            <a:r>
-              <a:rPr lang="tr-TR" dirty="0"/>
-              <a:t>kullanılan JOIN ifadesi hangi tabloların birleştirileceğini belirler. ON ifadesi ise tabloların hangi alanlar üzerinden birleştirileceğini belirler. Birleştirilen alanların birincil anahtar ya da ikincil anahtar olması tercih edilir. Ortak alanların aynı veri tipine sahip olmaları gerekir. Karışıklık yaşanmaması açısından alan isimleri tabloların isimleri ile birlikte yazılır </a:t>
-            </a:r>
-            <a:r>
-              <a:rPr lang="tr-TR" dirty="0" smtClean="0"/>
-              <a:t>ve </a:t>
-            </a:r>
-            <a:r>
-              <a:rPr lang="tr-TR" dirty="0" err="1" smtClean="0"/>
+              <a:rPr lang="tr-TR" dirty="0"/>
+              <a:t>Birleştiricilerde kullanılan JOIN ifadesi hangi tabloların birleştirileceğini belirler. ON ifadesi ise tabloların hangi alanlar üzerinden birleştirileceğini belirler. Birleştirilen alanların birincil anahtar ya da ikincil anahtar olması tercih edilir. Ortak alanların aynı veri tipine sahip olmaları gerekir. Karışıklık yaşanmaması açısından alan isimleri tabloların isimleri ile birlikte yazılır ve </a:t>
+            </a:r>
+            <a:r>
+              <a:rPr lang="tr-TR" dirty="0" err="1"/>
               <a:t>tablo_adı.kolon_adı</a:t>
             </a:r>
             <a:r>
@@ -13893,7 +13410,7 @@
               <a:tabLst/>
             </a:pPr>
             <a:r>
-              <a:rPr kumimoji="0" lang="tr-TR" altLang="tr-TR" sz="1800" u="none" strike="noStrike" cap="none" normalizeH="0" baseline="0" dirty="0" smtClean="0">
+              <a:rPr kumimoji="0" lang="tr-TR" altLang="tr-TR" sz="1800" u="none" strike="noStrike" cap="none" normalizeH="0" baseline="0" dirty="0">
                 <a:ln>
                   <a:noFill/>
                 </a:ln>
@@ -13907,7 +13424,7 @@
               <a:t>SELECT </a:t>
             </a:r>
             <a:r>
-              <a:rPr kumimoji="0" lang="tr-TR" altLang="tr-TR" sz="1800" u="none" strike="noStrike" cap="none" normalizeH="0" baseline="0" dirty="0" err="1" smtClean="0">
+              <a:rPr kumimoji="0" lang="tr-TR" altLang="tr-TR" sz="1800" u="none" strike="noStrike" cap="none" normalizeH="0" baseline="0" dirty="0" err="1">
                 <a:ln>
                   <a:noFill/>
                 </a:ln>
@@ -13921,7 +13438,7 @@
               <a:t>tablo_adi.sutun_adi</a:t>
             </a:r>
             <a:r>
-              <a:rPr kumimoji="0" lang="tr-TR" altLang="tr-TR" sz="1800" u="none" strike="noStrike" cap="none" normalizeH="0" baseline="0" dirty="0" smtClean="0">
+              <a:rPr kumimoji="0" lang="tr-TR" altLang="tr-TR" sz="1800" u="none" strike="noStrike" cap="none" normalizeH="0" baseline="0" dirty="0">
                 <a:ln>
                   <a:noFill/>
                 </a:ln>
@@ -13935,7 +13452,7 @@
               <a:t>, ... FROM </a:t>
             </a:r>
             <a:r>
-              <a:rPr kumimoji="0" lang="tr-TR" altLang="tr-TR" sz="1800" u="none" strike="noStrike" cap="none" normalizeH="0" baseline="0" dirty="0" err="1" smtClean="0">
+              <a:rPr kumimoji="0" lang="tr-TR" altLang="tr-TR" sz="1800" u="none" strike="noStrike" cap="none" normalizeH="0" baseline="0" dirty="0" err="1">
                 <a:ln>
                   <a:noFill/>
                 </a:ln>
@@ -13949,7 +13466,7 @@
               <a:t>tablo_A</a:t>
             </a:r>
             <a:r>
-              <a:rPr kumimoji="0" lang="tr-TR" altLang="tr-TR" sz="1800" u="none" strike="noStrike" cap="none" normalizeH="0" baseline="0" dirty="0" smtClean="0">
+              <a:rPr kumimoji="0" lang="tr-TR" altLang="tr-TR" sz="1800" u="none" strike="noStrike" cap="none" normalizeH="0" baseline="0" dirty="0">
                 <a:ln>
                   <a:noFill/>
                 </a:ln>
@@ -13981,7 +13498,7 @@
               <a:tabLst/>
             </a:pPr>
             <a:r>
-              <a:rPr kumimoji="0" lang="tr-TR" altLang="tr-TR" sz="1800" u="none" strike="noStrike" cap="none" normalizeH="0" baseline="0" dirty="0" smtClean="0">
+              <a:rPr kumimoji="0" lang="tr-TR" altLang="tr-TR" sz="1800" u="none" strike="noStrike" cap="none" normalizeH="0" baseline="0" dirty="0">
                 <a:ln>
                   <a:noFill/>
                 </a:ln>
@@ -13995,7 +13512,7 @@
               <a:t>{INNER JOIN | LEFT JOIN | RIGHT JOIN | FULL JOIN} </a:t>
             </a:r>
             <a:r>
-              <a:rPr kumimoji="0" lang="tr-TR" altLang="tr-TR" sz="1800" u="none" strike="noStrike" cap="none" normalizeH="0" baseline="0" dirty="0" err="1" smtClean="0">
+              <a:rPr kumimoji="0" lang="tr-TR" altLang="tr-TR" sz="1800" u="none" strike="noStrike" cap="none" normalizeH="0" baseline="0" dirty="0" err="1">
                 <a:ln>
                   <a:noFill/>
                 </a:ln>
@@ -14009,7 +13526,7 @@
               <a:t>tablo_B</a:t>
             </a:r>
             <a:r>
-              <a:rPr kumimoji="0" lang="tr-TR" altLang="tr-TR" sz="1800" u="none" strike="noStrike" cap="none" normalizeH="0" baseline="0" dirty="0" smtClean="0">
+              <a:rPr kumimoji="0" lang="tr-TR" altLang="tr-TR" sz="1800" u="none" strike="noStrike" cap="none" normalizeH="0" baseline="0" dirty="0">
                 <a:ln>
                   <a:noFill/>
                 </a:ln>
@@ -14041,7 +13558,7 @@
               <a:tabLst/>
             </a:pPr>
             <a:r>
-              <a:rPr kumimoji="0" lang="tr-TR" altLang="tr-TR" sz="1800" u="none" strike="noStrike" cap="none" normalizeH="0" baseline="0" dirty="0" smtClean="0">
+              <a:rPr kumimoji="0" lang="tr-TR" altLang="tr-TR" sz="1800" u="none" strike="noStrike" cap="none" normalizeH="0" baseline="0" dirty="0">
                 <a:ln>
                   <a:noFill/>
                 </a:ln>
@@ -14055,7 +13572,7 @@
               <a:t>ON </a:t>
             </a:r>
             <a:r>
-              <a:rPr kumimoji="0" lang="tr-TR" altLang="tr-TR" sz="1800" u="none" strike="noStrike" cap="none" normalizeH="0" baseline="0" dirty="0" err="1" smtClean="0">
+              <a:rPr kumimoji="0" lang="tr-TR" altLang="tr-TR" sz="1800" u="none" strike="noStrike" cap="none" normalizeH="0" baseline="0" dirty="0" err="1">
                 <a:ln>
                   <a:noFill/>
                 </a:ln>
@@ -14069,7 +13586,7 @@
               <a:t>tablo_A.sutun_adi</a:t>
             </a:r>
             <a:r>
-              <a:rPr kumimoji="0" lang="tr-TR" altLang="tr-TR" sz="1800" u="none" strike="noStrike" cap="none" normalizeH="0" baseline="0" dirty="0" smtClean="0">
+              <a:rPr kumimoji="0" lang="tr-TR" altLang="tr-TR" sz="1800" u="none" strike="noStrike" cap="none" normalizeH="0" baseline="0" dirty="0">
                 <a:ln>
                   <a:noFill/>
                 </a:ln>
@@ -14083,7 +13600,7 @@
               <a:t> = </a:t>
             </a:r>
             <a:r>
-              <a:rPr kumimoji="0" lang="tr-TR" altLang="tr-TR" sz="1800" u="none" strike="noStrike" cap="none" normalizeH="0" baseline="0" dirty="0" err="1" smtClean="0">
+              <a:rPr kumimoji="0" lang="tr-TR" altLang="tr-TR" sz="1800" u="none" strike="noStrike" cap="none" normalizeH="0" baseline="0" dirty="0" err="1">
                 <a:ln>
                   <a:noFill/>
                 </a:ln>
@@ -14097,7 +13614,7 @@
               <a:t>tablo_B.sutun_adi</a:t>
             </a:r>
             <a:r>
-              <a:rPr kumimoji="0" lang="tr-TR" altLang="tr-TR" sz="1800" u="none" strike="noStrike" cap="none" normalizeH="0" baseline="0" dirty="0" smtClean="0">
+              <a:rPr kumimoji="0" lang="tr-TR" altLang="tr-TR" sz="1800" u="none" strike="noStrike" cap="none" normalizeH="0" baseline="0" dirty="0">
                 <a:ln>
                   <a:noFill/>
                 </a:ln>
@@ -14111,7 +13628,7 @@
               <a:t>;</a:t>
             </a:r>
             <a:r>
-              <a:rPr kumimoji="0" lang="tr-TR" altLang="tr-TR" u="none" strike="noStrike" cap="none" normalizeH="0" baseline="0" dirty="0" smtClean="0">
+              <a:rPr kumimoji="0" lang="tr-TR" altLang="tr-TR" u="none" strike="noStrike" cap="none" normalizeH="0" baseline="0" dirty="0">
                 <a:ln>
                   <a:noFill/>
                 </a:ln>
@@ -14124,7 +13641,7 @@
               </a:rPr>
               <a:t> </a:t>
             </a:r>
-            <a:endParaRPr kumimoji="0" lang="tr-TR" altLang="tr-TR" sz="4000" u="none" strike="noStrike" cap="none" normalizeH="0" baseline="0" dirty="0" smtClean="0">
+            <a:endParaRPr kumimoji="0" lang="tr-TR" altLang="tr-TR" sz="4000" u="none" strike="noStrike" cap="none" normalizeH="0" baseline="0" dirty="0">
               <a:ln>
                 <a:noFill/>
               </a:ln>
@@ -14209,23 +13726,19 @@
           <a:lstStyle/>
           <a:p>
             <a:r>
-              <a:rPr lang="tr-TR" dirty="0" smtClean="0"/>
-              <a:t>ALTER </a:t>
-            </a:r>
-            <a:r>
-              <a:rPr lang="tr-TR" dirty="0"/>
-              <a:t>TABLE </a:t>
-            </a:r>
-            <a:r>
-              <a:rPr lang="tr-TR" dirty="0" err="1" smtClean="0"/>
+              <a:rPr lang="tr-TR" dirty="0"/>
+              <a:t>ALTER TABLE </a:t>
+            </a:r>
+            <a:r>
+              <a:rPr lang="tr-TR" dirty="0" err="1"/>
               <a:t>contacts</a:t>
             </a:r>
             <a:r>
-              <a:rPr lang="tr-TR" dirty="0" smtClean="0"/>
+              <a:rPr lang="tr-TR" dirty="0"/>
               <a:t> </a:t>
             </a:r>
             <a:r>
-              <a:rPr lang="en-US" dirty="0" smtClean="0"/>
+              <a:rPr lang="en-US" dirty="0"/>
               <a:t>ADD </a:t>
             </a:r>
             <a:r>
@@ -14234,18 +13747,14 @@
             </a:r>
             <a:r>
               <a:rPr lang="en-US" dirty="0"/>
-              <a:t> varchar(40) NOT </a:t>
-            </a:r>
-            <a:r>
-              <a:rPr lang="en-US" dirty="0" smtClean="0"/>
-              <a:t>NULL</a:t>
-            </a:r>
-            <a:r>
-              <a:rPr lang="tr-TR" dirty="0" smtClean="0"/>
+              <a:t> varchar(40) NOT NULL</a:t>
+            </a:r>
+            <a:r>
+              <a:rPr lang="tr-TR" dirty="0"/>
               <a:t> </a:t>
             </a:r>
             <a:r>
-              <a:rPr lang="tr-TR" dirty="0" smtClean="0">
+              <a:rPr lang="tr-TR" dirty="0">
                 <a:solidFill>
                   <a:srgbClr val="FF0000"/>
                 </a:solidFill>
@@ -14253,7 +13762,7 @@
               <a:t>AFTER</a:t>
             </a:r>
             <a:r>
-              <a:rPr lang="tr-TR" dirty="0" smtClean="0"/>
+              <a:rPr lang="tr-TR" dirty="0"/>
               <a:t> </a:t>
             </a:r>
             <a:r>
@@ -14274,15 +13783,15 @@
               <a:t>ALTER TABLE </a:t>
             </a:r>
             <a:r>
-              <a:rPr lang="tr-TR" dirty="0" err="1" smtClean="0"/>
+              <a:rPr lang="tr-TR" dirty="0" err="1"/>
               <a:t>contacts</a:t>
             </a:r>
             <a:r>
-              <a:rPr lang="tr-TR" dirty="0" smtClean="0"/>
+              <a:rPr lang="tr-TR" dirty="0"/>
               <a:t> </a:t>
             </a:r>
             <a:r>
-              <a:rPr lang="en-US" dirty="0" smtClean="0"/>
+              <a:rPr lang="en-US" dirty="0"/>
               <a:t>ADD </a:t>
             </a:r>
             <a:r>
@@ -14291,18 +13800,14 @@
             </a:r>
             <a:r>
               <a:rPr lang="en-US" dirty="0"/>
-              <a:t> varchar(40) NOT </a:t>
-            </a:r>
-            <a:r>
-              <a:rPr lang="en-US" dirty="0" smtClean="0"/>
-              <a:t>NULL</a:t>
-            </a:r>
-            <a:r>
-              <a:rPr lang="tr-TR" dirty="0" smtClean="0"/>
+              <a:t> varchar(40) NOT NULL</a:t>
+            </a:r>
+            <a:r>
+              <a:rPr lang="tr-TR" dirty="0"/>
               <a:t> </a:t>
             </a:r>
             <a:r>
-              <a:rPr lang="tr-TR" dirty="0" smtClean="0">
+              <a:rPr lang="tr-TR" dirty="0">
                 <a:solidFill>
                   <a:srgbClr val="FF0000"/>
                 </a:solidFill>
@@ -14310,7 +13815,7 @@
               <a:t>AFTER</a:t>
             </a:r>
             <a:r>
-              <a:rPr lang="tr-TR" dirty="0" smtClean="0"/>
+              <a:rPr lang="tr-TR" dirty="0"/>
               <a:t> </a:t>
             </a:r>
             <a:r>
@@ -14318,7 +13823,7 @@
               <a:t>contact_id</a:t>
             </a:r>
             <a:r>
-              <a:rPr lang="tr-TR" dirty="0" smtClean="0"/>
+              <a:rPr lang="tr-TR" dirty="0"/>
               <a:t>, ADD </a:t>
             </a:r>
             <a:r>
@@ -14335,24 +13840,19 @@
             </a:r>
             <a:r>
               <a:rPr lang="tr-TR" dirty="0"/>
-              <a:t>(35) </a:t>
-            </a:r>
-            <a:r>
-              <a:rPr lang="tr-TR" dirty="0" smtClean="0"/>
-              <a:t>NULL;</a:t>
-            </a:r>
-            <a:endParaRPr lang="tr-TR" dirty="0"/>
-          </a:p>
-          <a:p>
-            <a:endParaRPr lang="tr-TR" b="1" dirty="0" smtClean="0"/>
-          </a:p>
-          <a:p>
-            <a:r>
-              <a:rPr lang="en-US" b="1" dirty="0" smtClean="0"/>
+              <a:t>(35) NULL;</a:t>
+            </a:r>
+          </a:p>
+          <a:p>
+            <a:endParaRPr lang="tr-TR" b="1" dirty="0"/>
+          </a:p>
+          <a:p>
+            <a:r>
+              <a:rPr lang="en-US" b="1" dirty="0"/>
               <a:t>ALTER</a:t>
             </a:r>
             <a:r>
-              <a:rPr lang="en-US" dirty="0" smtClean="0"/>
+              <a:rPr lang="en-US" dirty="0"/>
               <a:t> </a:t>
             </a:r>
             <a:r>
@@ -14403,7 +13903,7 @@
               <a:rPr lang="en-US" dirty="0"/>
               <a:t>(1,1)</a:t>
             </a:r>
-            <a:endParaRPr lang="tr-TR" dirty="0" smtClean="0"/>
+            <a:endParaRPr lang="tr-TR" dirty="0"/>
           </a:p>
           <a:p>
             <a:endParaRPr lang="tr-TR" dirty="0"/>
@@ -14420,13 +13920,6 @@
   <p:clrMapOvr>
     <a:masterClrMapping/>
   </p:clrMapOvr>
-  <p:timing>
-    <p:tnLst>
-      <p:par>
-        <p:cTn id="1" dur="indefinite" restart="never" nodeType="tmRoot"/>
-      </p:par>
-    </p:tnLst>
-  </p:timing>
 </p:sld>
 </file>
 
@@ -14491,15 +13984,11 @@
           <a:p>
             <a:pPr algn="just"/>
             <a:r>
-              <a:rPr lang="tr-TR" dirty="0" smtClean="0"/>
-              <a:t>INNER </a:t>
-            </a:r>
-            <a:r>
-              <a:rPr lang="tr-TR" dirty="0"/>
-              <a:t>JOIN, iki ya da daha fazla tabloda ortak olan iki alandaki değerleri kontrol ederek tabloları birleştirir. INNER JOIN, SQL sunucusunda varsayılan olan </a:t>
-            </a:r>
-            <a:r>
-              <a:rPr lang="tr-TR" dirty="0" err="1" smtClean="0"/>
+              <a:rPr lang="tr-TR" dirty="0"/>
+              <a:t>INNER JOIN, iki ya da daha fazla tabloda ortak olan iki alandaki değerleri kontrol ederek tabloları birleştirir. INNER JOIN, SQL sunucusunda varsayılan olan </a:t>
+            </a:r>
+            <a:r>
+              <a:rPr lang="tr-TR" dirty="0" err="1"/>
               <a:t>JOIN’dir</a:t>
             </a:r>
             <a:r>
@@ -14559,13 +14048,6 @@
   <p:clrMapOvr>
     <a:masterClrMapping/>
   </p:clrMapOvr>
-  <p:timing>
-    <p:tnLst>
-      <p:par>
-        <p:cTn id="1" dur="indefinite" restart="never" nodeType="tmRoot"/>
-      </p:par>
-    </p:tnLst>
-  </p:timing>
 </p:sld>
 </file>
 
@@ -14602,11 +14084,11 @@
           <a:lstStyle/>
           <a:p>
             <a:r>
-              <a:rPr lang="tr-TR" dirty="0" smtClean="0"/>
+              <a:rPr lang="tr-TR" dirty="0"/>
               <a:t>Inner </a:t>
             </a:r>
             <a:r>
-              <a:rPr lang="tr-TR" dirty="0" err="1" smtClean="0"/>
+              <a:rPr lang="tr-TR" dirty="0" err="1"/>
               <a:t>Join</a:t>
             </a:r>
             <a:endParaRPr lang="tr-TR" dirty="0"/>
@@ -14673,13 +14155,6 @@
   <p:clrMapOvr>
     <a:masterClrMapping/>
   </p:clrMapOvr>
-  <p:timing>
-    <p:tnLst>
-      <p:par>
-        <p:cTn id="1" dur="indefinite" restart="never" nodeType="tmRoot"/>
-      </p:par>
-    </p:tnLst>
-  </p:timing>
 </p:sld>
 </file>
 
@@ -14780,13 +14255,6 @@
   <p:clrMapOvr>
     <a:masterClrMapping/>
   </p:clrMapOvr>
-  <p:timing>
-    <p:tnLst>
-      <p:par>
-        <p:cTn id="1" dur="indefinite" restart="never" nodeType="tmRoot"/>
-      </p:par>
-    </p:tnLst>
-  </p:timing>
 </p:sld>
 </file>
 
@@ -14911,13 +14379,6 @@
   <p:clrMapOvr>
     <a:masterClrMapping/>
   </p:clrMapOvr>
-  <p:timing>
-    <p:tnLst>
-      <p:par>
-        <p:cTn id="1" dur="indefinite" restart="never" nodeType="tmRoot"/>
-      </p:par>
-    </p:tnLst>
-  </p:timing>
 </p:sld>
 </file>
 
@@ -14993,26 +14454,14 @@
             </a:r>
             <a:r>
               <a:rPr lang="tr-TR" dirty="0"/>
-              <a:t>" değeri oluşmasını sağlar</a:t>
-            </a:r>
-            <a:r>
-              <a:rPr lang="tr-TR" dirty="0" smtClean="0"/>
-              <a:t>. </a:t>
+              <a:t>" değeri oluşmasını sağlar. </a:t>
             </a:r>
           </a:p>
           <a:p>
             <a:pPr algn="just"/>
-            <a:r>
-              <a:rPr lang="tr-TR" dirty="0"/>
-              <a:t/>
-            </a:r>
             <a:br>
               <a:rPr lang="tr-TR" dirty="0"/>
             </a:br>
-            <a:r>
-              <a:rPr lang="tr-TR" dirty="0"/>
-              <a:t/>
-            </a:r>
             <a:br>
               <a:rPr lang="tr-TR" dirty="0"/>
             </a:br>
@@ -15033,13 +14482,6 @@
   <p:clrMapOvr>
     <a:masterClrMapping/>
   </p:clrMapOvr>
-  <p:timing>
-    <p:tnLst>
-      <p:par>
-        <p:cTn id="1" dur="indefinite" restart="never" nodeType="tmRoot"/>
-      </p:par>
-    </p:tnLst>
-  </p:timing>
 </p:sld>
 </file>
 
@@ -15076,15 +14518,15 @@
           <a:lstStyle/>
           <a:p>
             <a:r>
-              <a:rPr lang="tr-TR" dirty="0" err="1" smtClean="0"/>
+              <a:rPr lang="tr-TR" dirty="0" err="1"/>
               <a:t>Left</a:t>
             </a:r>
             <a:r>
-              <a:rPr lang="tr-TR" dirty="0" smtClean="0"/>
+              <a:rPr lang="tr-TR" dirty="0"/>
               <a:t> Outer </a:t>
             </a:r>
             <a:r>
-              <a:rPr lang="tr-TR" dirty="0" err="1" smtClean="0"/>
+              <a:rPr lang="tr-TR" dirty="0" err="1"/>
               <a:t>Join</a:t>
             </a:r>
             <a:endParaRPr lang="tr-TR" dirty="0"/>
@@ -15144,13 +14586,6 @@
   <p:clrMapOvr>
     <a:masterClrMapping/>
   </p:clrMapOvr>
-  <p:timing>
-    <p:tnLst>
-      <p:par>
-        <p:cTn id="1" dur="indefinite" restart="never" nodeType="tmRoot"/>
-      </p:par>
-    </p:tnLst>
-  </p:timing>
 </p:sld>
 </file>
 
@@ -15187,11 +14622,11 @@
           <a:lstStyle/>
           <a:p>
             <a:r>
-              <a:rPr lang="tr-TR" dirty="0" smtClean="0"/>
+              <a:rPr lang="tr-TR" dirty="0"/>
               <a:t>Right Outer </a:t>
             </a:r>
             <a:r>
-              <a:rPr lang="tr-TR" dirty="0" err="1" smtClean="0"/>
+              <a:rPr lang="tr-TR" dirty="0" err="1"/>
               <a:t>Join</a:t>
             </a:r>
             <a:endParaRPr lang="tr-TR" dirty="0"/>
@@ -15251,13 +14686,6 @@
   <p:clrMapOvr>
     <a:masterClrMapping/>
   </p:clrMapOvr>
-  <p:timing>
-    <p:tnLst>
-      <p:par>
-        <p:cTn id="1" dur="indefinite" restart="never" nodeType="tmRoot"/>
-      </p:par>
-    </p:tnLst>
-  </p:timing>
 </p:sld>
 </file>
 
@@ -15294,11 +14722,11 @@
           <a:lstStyle/>
           <a:p>
             <a:r>
-              <a:rPr lang="tr-TR" dirty="0" smtClean="0"/>
+              <a:rPr lang="tr-TR" dirty="0"/>
               <a:t>Full Outer </a:t>
             </a:r>
             <a:r>
-              <a:rPr lang="tr-TR" dirty="0" err="1" smtClean="0"/>
+              <a:rPr lang="tr-TR" dirty="0" err="1"/>
               <a:t>Join</a:t>
             </a:r>
             <a:endParaRPr lang="tr-TR" dirty="0"/>
@@ -15482,18 +14910,13 @@
           <a:lstStyle/>
           <a:p>
             <a:r>
-              <a:rPr lang="tr-TR" dirty="0" smtClean="0">
+              <a:rPr lang="tr-TR" dirty="0">
                 <a:solidFill>
                   <a:schemeClr val="bg1"/>
                 </a:solidFill>
               </a:rPr>
               <a:t>kitaplar    yazarlar</a:t>
             </a:r>
-            <a:endParaRPr lang="tr-TR" dirty="0">
-              <a:solidFill>
-                <a:schemeClr val="bg1"/>
-              </a:solidFill>
-            </a:endParaRPr>
           </a:p>
         </p:txBody>
       </p:sp>
@@ -15507,13 +14930,6 @@
   <p:clrMapOvr>
     <a:masterClrMapping/>
   </p:clrMapOvr>
-  <p:timing>
-    <p:tnLst>
-      <p:par>
-        <p:cTn id="1" dur="indefinite" restart="never" nodeType="tmRoot"/>
-      </p:par>
-    </p:tnLst>
-  </p:timing>
 </p:sld>
 </file>
 
@@ -15550,15 +14966,15 @@
           <a:lstStyle/>
           <a:p>
             <a:r>
-              <a:rPr lang="tr-TR" dirty="0" err="1" smtClean="0"/>
+              <a:rPr lang="tr-TR" dirty="0" err="1"/>
               <a:t>Left</a:t>
             </a:r>
             <a:r>
-              <a:rPr lang="tr-TR" dirty="0" smtClean="0"/>
+              <a:rPr lang="tr-TR" dirty="0"/>
               <a:t> </a:t>
             </a:r>
             <a:r>
-              <a:rPr lang="tr-TR" dirty="0" err="1" smtClean="0"/>
+              <a:rPr lang="tr-TR" dirty="0" err="1"/>
               <a:t>Join</a:t>
             </a:r>
             <a:endParaRPr lang="tr-TR" dirty="0"/>
@@ -15618,13 +15034,6 @@
   <p:clrMapOvr>
     <a:masterClrMapping/>
   </p:clrMapOvr>
-  <p:timing>
-    <p:tnLst>
-      <p:par>
-        <p:cTn id="1" dur="indefinite" restart="never" nodeType="tmRoot"/>
-      </p:par>
-    </p:tnLst>
-  </p:timing>
 </p:sld>
 </file>
 
@@ -15661,11 +15070,11 @@
           <a:lstStyle/>
           <a:p>
             <a:r>
-              <a:rPr lang="tr-TR" dirty="0" smtClean="0"/>
+              <a:rPr lang="tr-TR" dirty="0"/>
               <a:t>Right </a:t>
             </a:r>
             <a:r>
-              <a:rPr lang="tr-TR" dirty="0" err="1" smtClean="0"/>
+              <a:rPr lang="tr-TR" dirty="0" err="1"/>
               <a:t>Join</a:t>
             </a:r>
             <a:endParaRPr lang="tr-TR" dirty="0"/>
@@ -15725,13 +15134,6 @@
   <p:clrMapOvr>
     <a:masterClrMapping/>
   </p:clrMapOvr>
-  <p:timing>
-    <p:tnLst>
-      <p:par>
-        <p:cTn id="1" dur="indefinite" restart="never" nodeType="tmRoot"/>
-      </p:par>
-    </p:tnLst>
-  </p:timing>
 </p:sld>
 </file>
 
@@ -15842,12 +15244,8 @@
               <a:buNone/>
             </a:pPr>
             <a:r>
-              <a:rPr lang="tr-TR" dirty="0" smtClean="0"/>
-              <a:t>-</a:t>
-            </a:r>
-            <a:r>
-              <a:rPr lang="tr-TR" dirty="0"/>
-              <a:t>birden fazla sütun kaldırma</a:t>
+              <a:rPr lang="tr-TR" dirty="0"/>
+              <a:t>-birden fazla sütun kaldırma</a:t>
             </a:r>
           </a:p>
           <a:p>
@@ -15894,7 +15292,7 @@
             </a:r>
           </a:p>
           <a:p>
-            <a:endParaRPr lang="tr-TR" dirty="0" smtClean="0"/>
+            <a:endParaRPr lang="tr-TR" dirty="0"/>
           </a:p>
           <a:p>
             <a:r>
@@ -15955,13 +15353,6 @@
   <p:clrMapOvr>
     <a:masterClrMapping/>
   </p:clrMapOvr>
-  <p:timing>
-    <p:tnLst>
-      <p:par>
-        <p:cTn id="1" dur="indefinite" restart="never" nodeType="tmRoot"/>
-      </p:par>
-    </p:tnLst>
-  </p:timing>
 </p:sld>
 </file>
 
@@ -15998,11 +15389,11 @@
           <a:lstStyle/>
           <a:p>
             <a:r>
-              <a:rPr lang="tr-TR" dirty="0" smtClean="0"/>
+              <a:rPr lang="tr-TR" dirty="0"/>
               <a:t>Full </a:t>
             </a:r>
             <a:r>
-              <a:rPr lang="tr-TR" dirty="0" err="1" smtClean="0"/>
+              <a:rPr lang="tr-TR" dirty="0" err="1"/>
               <a:t>Join</a:t>
             </a:r>
             <a:endParaRPr lang="tr-TR" dirty="0"/>
@@ -16025,10 +15416,9 @@
           <a:lstStyle/>
           <a:p>
             <a:r>
-              <a:rPr lang="tr-TR" dirty="0" smtClean="0"/>
+              <a:rPr lang="tr-TR" dirty="0"/>
               <a:t>1401 kayıt</a:t>
             </a:r>
-            <a:endParaRPr lang="tr-TR" dirty="0"/>
           </a:p>
         </p:txBody>
       </p:sp>
@@ -16066,13 +15456,6 @@
   <p:clrMapOvr>
     <a:masterClrMapping/>
   </p:clrMapOvr>
-  <p:timing>
-    <p:tnLst>
-      <p:par>
-        <p:cTn id="1" dur="indefinite" restart="never" nodeType="tmRoot"/>
-      </p:par>
-    </p:tnLst>
-  </p:timing>
 </p:sld>
 </file>
 
@@ -16137,12 +15520,8 @@
           <a:p>
             <a:pPr algn="just"/>
             <a:r>
-              <a:rPr lang="tr-TR" dirty="0" smtClean="0"/>
-              <a:t>CROSS </a:t>
-            </a:r>
-            <a:r>
-              <a:rPr lang="tr-TR" dirty="0"/>
-              <a:t>JOIN tablolar arasında yapılan birleştirme işleminde seçilen alanlar arasındaki tüm kombinasyonları sonuç tablosu olarak vermeyi sağlar. </a:t>
+              <a:rPr lang="tr-TR" dirty="0"/>
+              <a:t>CROSS JOIN tablolar arasında yapılan birleştirme işleminde seçilen alanlar arasındaki tüm kombinasyonları sonuç tablosu olarak vermeyi sağlar. </a:t>
             </a:r>
             <a:r>
               <a:rPr lang="tr-TR" dirty="0" err="1"/>
@@ -16181,13 +15560,6 @@
   <p:clrMapOvr>
     <a:masterClrMapping/>
   </p:clrMapOvr>
-  <p:timing>
-    <p:tnLst>
-      <p:par>
-        <p:cTn id="1" dur="indefinite" restart="never" nodeType="tmRoot"/>
-      </p:par>
-    </p:tnLst>
-  </p:timing>
 </p:sld>
 </file>
 
@@ -16224,11 +15596,11 @@
           <a:lstStyle/>
           <a:p>
             <a:r>
-              <a:rPr lang="tr-TR" dirty="0" smtClean="0"/>
+              <a:rPr lang="tr-TR" dirty="0"/>
               <a:t>Cross </a:t>
             </a:r>
             <a:r>
-              <a:rPr lang="tr-TR" dirty="0" err="1" smtClean="0"/>
+              <a:rPr lang="tr-TR" dirty="0" err="1"/>
               <a:t>Join</a:t>
             </a:r>
             <a:endParaRPr lang="tr-TR" dirty="0"/>
@@ -16288,13 +15660,6 @@
   <p:clrMapOvr>
     <a:masterClrMapping/>
   </p:clrMapOvr>
-  <p:timing>
-    <p:tnLst>
-      <p:par>
-        <p:cTn id="1" dur="indefinite" restart="never" nodeType="tmRoot"/>
-      </p:par>
-    </p:tnLst>
-  </p:timing>
 </p:sld>
 </file>
 
@@ -16331,14 +15696,13 @@
           <a:lstStyle/>
           <a:p>
             <a:r>
-              <a:rPr lang="tr-TR" dirty="0" err="1" smtClean="0"/>
+              <a:rPr lang="tr-TR" dirty="0" err="1"/>
               <a:t>Veritabanı</a:t>
             </a:r>
             <a:r>
-              <a:rPr lang="tr-TR" dirty="0" smtClean="0"/>
+              <a:rPr lang="tr-TR" dirty="0"/>
               <a:t> Uygulaması</a:t>
             </a:r>
-            <a:endParaRPr lang="tr-TR" dirty="0"/>
           </a:p>
         </p:txBody>
       </p:sp>
@@ -16358,11 +15722,11 @@
           <a:lstStyle/>
           <a:p>
             <a:r>
-              <a:rPr lang="tr-TR" dirty="0" smtClean="0"/>
+              <a:rPr lang="tr-TR" dirty="0"/>
               <a:t>UKEY </a:t>
             </a:r>
             <a:r>
-              <a:rPr lang="tr-TR" smtClean="0"/>
+              <a:rPr lang="tr-TR"/>
               <a:t>üzerinden paylaşılmıştır.</a:t>
             </a:r>
             <a:endParaRPr lang="tr-TR" dirty="0"/>
@@ -17109,18 +16473,14 @@
             </a:r>
             <a:r>
               <a:rPr lang="it-IT" dirty="0"/>
-              <a:t>  sutun_adi </a:t>
-            </a:r>
-            <a:r>
-              <a:rPr lang="it-IT" dirty="0" smtClean="0"/>
-              <a:t>veri_turu</a:t>
-            </a:r>
-            <a:endParaRPr lang="tr-TR" dirty="0" smtClean="0"/>
-          </a:p>
-          <a:p>
+              <a:t>  sutun_adi veri_turu</a:t>
+            </a:r>
             <a:endParaRPr lang="tr-TR" dirty="0"/>
           </a:p>
           <a:p>
+            <a:endParaRPr lang="tr-TR" dirty="0"/>
+          </a:p>
+          <a:p>
             <a:r>
               <a:rPr lang="tr-TR" dirty="0"/>
               <a:t>ALTER TABLE yazar ALTER COLUMN  </a:t>
@@ -17139,11 +16499,7 @@
             </a:r>
             <a:r>
               <a:rPr lang="tr-TR" dirty="0"/>
-              <a:t>(25</a:t>
-            </a:r>
-            <a:r>
-              <a:rPr lang="tr-TR" dirty="0" smtClean="0"/>
-              <a:t>)</a:t>
+              <a:t>(25)</a:t>
             </a:r>
           </a:p>
           <a:p>
@@ -17151,7 +16507,7 @@
               <a:buNone/>
             </a:pPr>
             <a:r>
-              <a:rPr lang="tr-TR" dirty="0" smtClean="0"/>
+              <a:rPr lang="tr-TR" dirty="0"/>
               <a:t>			(</a:t>
             </a:r>
             <a:r>
@@ -17168,13 +16524,8 @@
             </a:r>
             <a:r>
               <a:rPr lang="tr-TR" dirty="0"/>
-              <a:t>(50</a:t>
-            </a:r>
-            <a:r>
-              <a:rPr lang="tr-TR" dirty="0" smtClean="0"/>
-              <a:t>))</a:t>
-            </a:r>
-            <a:endParaRPr lang="tr-TR" dirty="0"/>
+              <a:t>(50))</a:t>
+            </a:r>
           </a:p>
         </p:txBody>
       </p:sp>
@@ -17188,13 +16539,6 @@
   <p:clrMapOvr>
     <a:masterClrMapping/>
   </p:clrMapOvr>
-  <p:timing>
-    <p:tnLst>
-      <p:par>
-        <p:cTn id="1" dur="indefinite" restart="never" nodeType="tmRoot"/>
-      </p:par>
-    </p:tnLst>
-  </p:timing>
 </p:sld>
 </file>
 
@@ -17258,77 +16602,61 @@
             </a:r>
             <a:r>
               <a:rPr lang="tr-TR" dirty="0"/>
-              <a:t> Yönetim </a:t>
-            </a:r>
-            <a:r>
-              <a:rPr lang="tr-TR" dirty="0" smtClean="0"/>
-              <a:t>Sistemleri 1-2 </a:t>
-            </a:r>
-            <a:r>
-              <a:rPr lang="tr-TR" dirty="0" err="1" smtClean="0"/>
+              <a:t> Yönetim Sistemleri 1-2 </a:t>
+            </a:r>
+            <a:r>
+              <a:rPr lang="tr-TR" dirty="0" err="1"/>
               <a:t>Turtgut</a:t>
             </a:r>
             <a:r>
-              <a:rPr lang="tr-TR" dirty="0" smtClean="0"/>
+              <a:rPr lang="tr-TR" dirty="0"/>
               <a:t> </a:t>
             </a:r>
             <a:r>
-              <a:rPr lang="tr-TR" dirty="0" err="1" smtClean="0"/>
+              <a:rPr lang="tr-TR" dirty="0" err="1"/>
               <a:t>Özseven</a:t>
             </a:r>
-            <a:endParaRPr lang="tr-TR" dirty="0" smtClean="0"/>
-          </a:p>
-          <a:p>
-            <a:r>
-              <a:rPr lang="tr-TR" dirty="0" err="1" smtClean="0"/>
+            <a:endParaRPr lang="tr-TR" dirty="0"/>
+          </a:p>
+          <a:p>
+            <a:r>
+              <a:rPr lang="tr-TR" dirty="0" err="1"/>
               <a:t>Veritabanı</a:t>
             </a:r>
             <a:r>
-              <a:rPr lang="tr-TR" dirty="0" smtClean="0"/>
-              <a:t> Yönetim Sistemleri-İbrahim </a:t>
-            </a:r>
-            <a:r>
-              <a:rPr lang="tr-TR" dirty="0"/>
-              <a:t>Çil</a:t>
-            </a:r>
-          </a:p>
-          <a:p>
-            <a:r>
-              <a:rPr lang="tr-TR" dirty="0" smtClean="0"/>
+              <a:rPr lang="tr-TR" dirty="0"/>
+              <a:t> Yönetim Sistemleri-İbrahim Çil</a:t>
+            </a:r>
+          </a:p>
+          <a:p>
+            <a:r>
+              <a:rPr lang="tr-TR" dirty="0"/>
               <a:t>Programlama ve </a:t>
             </a:r>
             <a:r>
-              <a:rPr lang="tr-TR" dirty="0" err="1" smtClean="0"/>
+              <a:rPr lang="tr-TR" dirty="0" err="1"/>
               <a:t>Veritabanı</a:t>
             </a:r>
             <a:r>
-              <a:rPr lang="tr-TR" dirty="0" smtClean="0"/>
+              <a:rPr lang="tr-TR" dirty="0"/>
               <a:t> Mantığı-Kadir Çamoğlu</a:t>
             </a:r>
           </a:p>
           <a:p>
             <a:r>
-              <a:rPr lang="tr-TR" dirty="0" smtClean="0"/>
+              <a:rPr lang="tr-TR" dirty="0"/>
               <a:t>VTYS Ders Notları-Gökhan </a:t>
             </a:r>
             <a:r>
-              <a:rPr lang="tr-TR" dirty="0" err="1" smtClean="0"/>
+              <a:rPr lang="tr-TR" dirty="0" err="1"/>
               <a:t>Memiş</a:t>
             </a:r>
-            <a:endParaRPr lang="tr-TR" dirty="0" smtClean="0"/>
-          </a:p>
-          <a:p>
-            <a:r>
-              <a:rPr lang="tr-TR" dirty="0" smtClean="0"/>
-              <a:t>VTYS </a:t>
-            </a:r>
-            <a:r>
-              <a:rPr lang="tr-TR" dirty="0"/>
-              <a:t>Ders </a:t>
-            </a:r>
-            <a:r>
-              <a:rPr lang="tr-TR" dirty="0" smtClean="0"/>
-              <a:t>Notları-Fatih Kayaalp </a:t>
+            <a:endParaRPr lang="tr-TR" dirty="0"/>
+          </a:p>
+          <a:p>
+            <a:r>
+              <a:rPr lang="tr-TR" dirty="0"/>
+              <a:t>VTYS Ders Notları-Fatih Kayaalp </a:t>
             </a:r>
             <a:r>
               <a:rPr lang="tr-TR" dirty="0" err="1"/>
@@ -17338,10 +16666,9 @@
           </a:p>
           <a:p>
             <a:r>
-              <a:rPr lang="tr-TR" dirty="0" smtClean="0"/>
+              <a:rPr lang="tr-TR" dirty="0"/>
               <a:t>İnternet</a:t>
             </a:r>
-            <a:endParaRPr lang="tr-TR" dirty="0"/>
           </a:p>
           <a:p>
             <a:endParaRPr lang="tr-TR" dirty="0"/>
@@ -17397,14 +16724,13 @@
           <a:lstStyle/>
           <a:p>
             <a:r>
-              <a:rPr lang="tr-TR" dirty="0" err="1" smtClean="0"/>
+              <a:rPr lang="tr-TR" dirty="0" err="1"/>
               <a:t>Alter</a:t>
             </a:r>
             <a:r>
-              <a:rPr lang="tr-TR" dirty="0" smtClean="0"/>
+              <a:rPr lang="tr-TR" dirty="0"/>
               <a:t> Uygulamaları</a:t>
             </a:r>
-            <a:endParaRPr lang="tr-TR" dirty="0"/>
           </a:p>
         </p:txBody>
       </p:sp>
@@ -17430,16 +16756,12 @@
               <a:t>ALTER TABLE </a:t>
             </a:r>
             <a:r>
-              <a:rPr lang="tr-TR" sz="2000" dirty="0" err="1" smtClean="0"/>
+              <a:rPr lang="tr-TR" sz="2000" dirty="0" err="1"/>
               <a:t>tablo_adi</a:t>
             </a:r>
             <a:r>
-              <a:rPr lang="tr-TR" sz="2000" dirty="0" smtClean="0"/>
-              <a:t> </a:t>
-            </a:r>
-            <a:r>
               <a:rPr lang="tr-TR" sz="2000" dirty="0"/>
-              <a:t>ALTER COLUMN  </a:t>
+              <a:t> ALTER COLUMN  </a:t>
             </a:r>
             <a:r>
               <a:rPr lang="tr-TR" sz="2000" dirty="0" err="1"/>
@@ -17479,35 +16801,27 @@
             </a:r>
             <a:r>
               <a:rPr lang="tr-TR" sz="2000" dirty="0"/>
+              <a:t> ]</a:t>
+            </a:r>
+          </a:p>
+          <a:p>
+            <a:endParaRPr lang="tr-TR" sz="2000" dirty="0"/>
+          </a:p>
+          <a:p>
+            <a:pPr fontAlgn="base"/>
+            <a:r>
+              <a:rPr lang="tr-TR" dirty="0"/>
+              <a:t>ALTER TABLE yazar ALTER COLUMN  </a:t>
+            </a:r>
+            <a:r>
+              <a:rPr lang="tr-TR" dirty="0" err="1"/>
+              <a:t>yazarad</a:t>
+            </a:r>
+            <a:r>
+              <a:rPr lang="tr-TR" dirty="0"/>
               <a:t> </a:t>
             </a:r>
             <a:r>
-              <a:rPr lang="tr-TR" sz="2000" dirty="0" smtClean="0"/>
-              <a:t>]</a:t>
-            </a:r>
-          </a:p>
-          <a:p>
-            <a:endParaRPr lang="tr-TR" sz="2000" dirty="0"/>
-          </a:p>
-          <a:p>
-            <a:pPr fontAlgn="base"/>
-            <a:r>
-              <a:rPr lang="tr-TR" dirty="0" smtClean="0"/>
-              <a:t>ALTER </a:t>
-            </a:r>
-            <a:r>
-              <a:rPr lang="tr-TR" dirty="0"/>
-              <a:t>TABLE yazar ALTER COLUMN  </a:t>
-            </a:r>
-            <a:r>
-              <a:rPr lang="tr-TR" dirty="0" err="1"/>
-              <a:t>yazarad</a:t>
-            </a:r>
-            <a:r>
-              <a:rPr lang="tr-TR" dirty="0"/>
-              <a:t> </a:t>
-            </a:r>
-            <a:r>
               <a:rPr lang="tr-TR" dirty="0" err="1"/>
               <a:t>varchar</a:t>
             </a:r>
@@ -17516,7 +16830,7 @@
               <a:t>(25) </a:t>
             </a:r>
             <a:r>
-              <a:rPr lang="tr-TR" b="1" dirty="0" smtClean="0"/>
+              <a:rPr lang="tr-TR" b="1" dirty="0"/>
               <a:t>NULL</a:t>
             </a:r>
             <a:endParaRPr lang="tr-TR" dirty="0"/>
@@ -17572,13 +16886,6 @@
   <p:clrMapOvr>
     <a:masterClrMapping/>
   </p:clrMapOvr>
-  <p:timing>
-    <p:tnLst>
-      <p:par>
-        <p:cTn id="1" dur="indefinite" restart="never" nodeType="tmRoot"/>
-      </p:par>
-    </p:tnLst>
-  </p:timing>
 </p:sld>
 </file>
 
@@ -17667,23 +16974,18 @@
               <a:t>sutun_adi</a:t>
             </a:r>
             <a:r>
-              <a:rPr lang="tr-TR" sz="2000" dirty="0" smtClean="0"/>
+              <a:rPr lang="tr-TR" sz="2000" dirty="0"/>
               <a:t>)</a:t>
             </a:r>
-            <a:endParaRPr lang="tr-TR" sz="2000" dirty="0"/>
-          </a:p>
-          <a:p>
-            <a:endParaRPr lang="tr-TR" dirty="0" smtClean="0"/>
+          </a:p>
+          <a:p>
+            <a:endParaRPr lang="tr-TR" dirty="0"/>
           </a:p>
           <a:p>
             <a:pPr lvl="1"/>
             <a:r>
-              <a:rPr lang="tr-TR" dirty="0" smtClean="0"/>
-              <a:t>ALTER </a:t>
-            </a:r>
-            <a:r>
-              <a:rPr lang="tr-TR" dirty="0"/>
-              <a:t>TABLE yazar  ADD CONSTRAINT </a:t>
+              <a:rPr lang="tr-TR" dirty="0"/>
+              <a:t>ALTER TABLE yazar  ADD CONSTRAINT </a:t>
             </a:r>
             <a:r>
               <a:rPr lang="tr-TR" dirty="0" err="1"/>
@@ -17698,7 +17000,7 @@
               <a:t>tcno</a:t>
             </a:r>
             <a:r>
-              <a:rPr lang="tr-TR" dirty="0" smtClean="0"/>
+              <a:rPr lang="tr-TR" dirty="0"/>
               <a:t>)</a:t>
             </a:r>
           </a:p>
@@ -17731,23 +17033,19 @@
               <a:t>sutun_adi</a:t>
             </a:r>
             <a:r>
-              <a:rPr lang="en-US" sz="2000" dirty="0" smtClean="0"/>
+              <a:rPr lang="en-US" sz="2000" dirty="0"/>
               <a:t>)</a:t>
             </a:r>
-            <a:endParaRPr lang="tr-TR" sz="2000" dirty="0" smtClean="0"/>
-          </a:p>
-          <a:p>
-            <a:endParaRPr lang="tr-TR" sz="2000" dirty="0" smtClean="0"/>
+            <a:endParaRPr lang="tr-TR" sz="2000" dirty="0"/>
+          </a:p>
+          <a:p>
+            <a:endParaRPr lang="tr-TR" sz="2000" dirty="0"/>
           </a:p>
           <a:p>
             <a:pPr lvl="1"/>
             <a:r>
-              <a:rPr lang="en-US" sz="1600" dirty="0" smtClean="0"/>
-              <a:t>ALTER </a:t>
-            </a:r>
-            <a:r>
               <a:rPr lang="en-US" sz="1600" dirty="0"/>
-              <a:t>TABLE </a:t>
+              <a:t>ALTER TABLE </a:t>
             </a:r>
             <a:r>
               <a:rPr lang="en-US" sz="1600" dirty="0" err="1"/>
@@ -17787,13 +17085,6 @@
   <p:clrMapOvr>
     <a:masterClrMapping/>
   </p:clrMapOvr>
-  <p:timing>
-    <p:tnLst>
-      <p:par>
-        <p:cTn id="1" dur="indefinite" restart="never" nodeType="tmRoot"/>
-      </p:par>
-    </p:tnLst>
-  </p:timing>
 </p:sld>
 </file>
 
@@ -17868,10 +17159,10 @@
               <a:t> DROP CONSTRAINT </a:t>
             </a:r>
             <a:r>
-              <a:rPr lang="tr-TR" dirty="0" err="1" smtClean="0"/>
+              <a:rPr lang="tr-TR" dirty="0" err="1"/>
               <a:t>kisit_adi</a:t>
             </a:r>
-            <a:endParaRPr lang="tr-TR" dirty="0" smtClean="0"/>
+            <a:endParaRPr lang="tr-TR" dirty="0"/>
           </a:p>
           <a:p>
             <a:endParaRPr lang="tr-TR" dirty="0"/>
@@ -17900,13 +17191,6 @@
   <p:clrMapOvr>
     <a:masterClrMapping/>
   </p:clrMapOvr>
-  <p:timing>
-    <p:tnLst>
-      <p:par>
-        <p:cTn id="1" dur="indefinite" restart="never" nodeType="tmRoot"/>
-      </p:par>
-    </p:tnLst>
-  </p:timing>
 </p:sld>
 </file>
 
